--- a/Pester/Pester – Not Just for Code.pptx
+++ b/Pester/Pester – Not Just for Code.pptx
@@ -4,6 +4,9 @@
   <p:sldMasterIdLst>
     <p:sldMasterId id="2147483648" r:id="rId1"/>
   </p:sldMasterIdLst>
+  <p:notesMasterIdLst>
+    <p:notesMasterId r:id="rId8"/>
+  </p:notesMasterIdLst>
   <p:sldIdLst>
     <p:sldId id="256" r:id="rId2"/>
     <p:sldId id="257" r:id="rId3"/>
@@ -109,6 +112,11 @@
       </a:defRPr>
     </a:lvl9pPr>
   </p:defaultTextStyle>
+  <p:extLst>
+    <p:ext uri="{EFAFB233-063F-42B5-8137-9DF3F51BA10A}">
+      <p15:sldGuideLst xmlns:p15="http://schemas.microsoft.com/office/powerpoint/2012/main"/>
+    </p:ext>
+  </p:extLst>
 </p:presentation>
 </file>
 
@@ -863,7 +871,7 @@
 <dgm:dataModel xmlns:dgm="http://schemas.openxmlformats.org/drawingml/2006/diagram" xmlns:a="http://schemas.openxmlformats.org/drawingml/2006/main">
   <dgm:ptLst>
     <dgm:pt modelId="{44F1916B-FD28-419D-BA52-C490013C131E}" type="doc">
-      <dgm:prSet loTypeId="urn:microsoft.com/office/officeart/2005/8/layout/vList2" loCatId="list" qsTypeId="urn:microsoft.com/office/officeart/2005/8/quickstyle/simple1" qsCatId="simple" csTypeId="urn:microsoft.com/office/officeart/2005/8/colors/accent1_2" csCatId="accent1" phldr="1"/>
+      <dgm:prSet loTypeId="urn:microsoft.com/office/officeart/2005/8/layout/list1" loCatId="list" qsTypeId="urn:microsoft.com/office/officeart/2005/8/quickstyle/simple1" qsCatId="simple" csTypeId="urn:microsoft.com/office/officeart/2005/8/colors/accent1_2" csCatId="accent1" phldr="1"/>
       <dgm:spPr/>
       <dgm:t>
         <a:bodyPr/>
@@ -1229,10 +1237,9 @@
             </a:lnSpc>
           </a:pPr>
           <a:r>
-            <a:rPr lang="en-US"/>
+            <a:rPr lang="en-US" dirty="0"/>
             <a:t>Anytime you make a major change (we test as part of monthly patching)</a:t>
           </a:r>
-          <a:endParaRPr lang="en-US" dirty="0"/>
         </a:p>
       </dgm:t>
     </dgm:pt>
@@ -1299,16 +1306,25 @@
         </a:p>
       </dgm:t>
     </dgm:pt>
-    <dgm:pt modelId="{8424D530-20DA-4BEA-80E2-F88311080C29}" type="pres">
+    <dgm:pt modelId="{0D5B8EEE-C81D-40AB-9886-96D7338BCE22}" type="pres">
       <dgm:prSet presAssocID="{44F1916B-FD28-419D-BA52-C490013C131E}" presName="linear" presStyleCnt="0">
         <dgm:presLayoutVars>
+          <dgm:dir/>
           <dgm:animLvl val="lvl"/>
           <dgm:resizeHandles val="exact"/>
         </dgm:presLayoutVars>
       </dgm:prSet>
       <dgm:spPr/>
     </dgm:pt>
-    <dgm:pt modelId="{E4B5D441-5CA5-4CE2-A5C0-4F59D04CEA1E}" type="pres">
+    <dgm:pt modelId="{197EAE7A-28B7-4640-BD34-448195F980BE}" type="pres">
+      <dgm:prSet presAssocID="{DF342D58-CE06-4339-A231-68EB4A8D2099}" presName="parentLin" presStyleCnt="0"/>
+      <dgm:spPr/>
+    </dgm:pt>
+    <dgm:pt modelId="{B6CA8707-48E1-4925-8CC0-2F0442460F75}" type="pres">
+      <dgm:prSet presAssocID="{DF342D58-CE06-4339-A231-68EB4A8D2099}" presName="parentLeftMargin" presStyleLbl="node1" presStyleIdx="0" presStyleCnt="3"/>
+      <dgm:spPr/>
+    </dgm:pt>
+    <dgm:pt modelId="{1B07E035-A24A-4F1D-A8AE-2AFE47D1AE40}" type="pres">
       <dgm:prSet presAssocID="{DF342D58-CE06-4339-A231-68EB4A8D2099}" presName="parentText" presStyleLbl="node1" presStyleIdx="0" presStyleCnt="3">
         <dgm:presLayoutVars>
           <dgm:chMax val="0"/>
@@ -1317,15 +1333,31 @@
       </dgm:prSet>
       <dgm:spPr/>
     </dgm:pt>
-    <dgm:pt modelId="{0BCD872B-E010-443D-9BF7-98A430C88DB2}" type="pres">
-      <dgm:prSet presAssocID="{DF342D58-CE06-4339-A231-68EB4A8D2099}" presName="childText" presStyleLbl="revTx" presStyleIdx="0" presStyleCnt="3">
+    <dgm:pt modelId="{C4797494-D2B9-4D27-9D53-F38F647C1ECF}" type="pres">
+      <dgm:prSet presAssocID="{DF342D58-CE06-4339-A231-68EB4A8D2099}" presName="negativeSpace" presStyleCnt="0"/>
+      <dgm:spPr/>
+    </dgm:pt>
+    <dgm:pt modelId="{1B32F48D-E892-454A-9FC6-245EA2E9654D}" type="pres">
+      <dgm:prSet presAssocID="{DF342D58-CE06-4339-A231-68EB4A8D2099}" presName="childText" presStyleLbl="conFgAcc1" presStyleIdx="0" presStyleCnt="3">
         <dgm:presLayoutVars>
           <dgm:bulletEnabled val="1"/>
         </dgm:presLayoutVars>
       </dgm:prSet>
       <dgm:spPr/>
     </dgm:pt>
-    <dgm:pt modelId="{AAD276B1-4BEE-4DBF-AF7B-92374175D5C6}" type="pres">
+    <dgm:pt modelId="{63B0A3BB-56F0-4429-8F8A-E5327B6F45D2}" type="pres">
+      <dgm:prSet presAssocID="{F8E408D2-9DA1-4588-84B4-BC85D0FF75F8}" presName="spaceBetweenRectangles" presStyleCnt="0"/>
+      <dgm:spPr/>
+    </dgm:pt>
+    <dgm:pt modelId="{01010697-0334-4F48-A7CE-94C05B102D3B}" type="pres">
+      <dgm:prSet presAssocID="{F98B21DE-99D1-4D65-95D2-9C84DE89D07D}" presName="parentLin" presStyleCnt="0"/>
+      <dgm:spPr/>
+    </dgm:pt>
+    <dgm:pt modelId="{F02582E3-9991-4E26-A303-24BD1E63840A}" type="pres">
+      <dgm:prSet presAssocID="{F98B21DE-99D1-4D65-95D2-9C84DE89D07D}" presName="parentLeftMargin" presStyleLbl="node1" presStyleIdx="0" presStyleCnt="3"/>
+      <dgm:spPr/>
+    </dgm:pt>
+    <dgm:pt modelId="{F84505ED-BF58-47F0-A462-7A3C4439696D}" type="pres">
       <dgm:prSet presAssocID="{F98B21DE-99D1-4D65-95D2-9C84DE89D07D}" presName="parentText" presStyleLbl="node1" presStyleIdx="1" presStyleCnt="3">
         <dgm:presLayoutVars>
           <dgm:chMax val="0"/>
@@ -1334,15 +1366,31 @@
       </dgm:prSet>
       <dgm:spPr/>
     </dgm:pt>
-    <dgm:pt modelId="{E817BC41-566F-414D-A84D-C62283E55EF8}" type="pres">
-      <dgm:prSet presAssocID="{F98B21DE-99D1-4D65-95D2-9C84DE89D07D}" presName="childText" presStyleLbl="revTx" presStyleIdx="1" presStyleCnt="3">
+    <dgm:pt modelId="{EA0F9E50-9FBB-447D-BD3C-C49123F52B52}" type="pres">
+      <dgm:prSet presAssocID="{F98B21DE-99D1-4D65-95D2-9C84DE89D07D}" presName="negativeSpace" presStyleCnt="0"/>
+      <dgm:spPr/>
+    </dgm:pt>
+    <dgm:pt modelId="{EA5B2BA8-6A8F-47B2-B45D-1E9FDE4D38FA}" type="pres">
+      <dgm:prSet presAssocID="{F98B21DE-99D1-4D65-95D2-9C84DE89D07D}" presName="childText" presStyleLbl="conFgAcc1" presStyleIdx="1" presStyleCnt="3">
         <dgm:presLayoutVars>
           <dgm:bulletEnabled val="1"/>
         </dgm:presLayoutVars>
       </dgm:prSet>
       <dgm:spPr/>
     </dgm:pt>
-    <dgm:pt modelId="{82706923-4E04-4AEE-8175-4405C5336D00}" type="pres">
+    <dgm:pt modelId="{1D87547B-133F-4405-AA3B-350AFB4AC3DE}" type="pres">
+      <dgm:prSet presAssocID="{CF40ABBA-4EDD-40D4-B064-FC6C889BF63A}" presName="spaceBetweenRectangles" presStyleCnt="0"/>
+      <dgm:spPr/>
+    </dgm:pt>
+    <dgm:pt modelId="{28A1525F-C973-4BA0-8231-6925CE7F5CAF}" type="pres">
+      <dgm:prSet presAssocID="{6E76FB62-59FD-466A-B79E-68E9B8318BC7}" presName="parentLin" presStyleCnt="0"/>
+      <dgm:spPr/>
+    </dgm:pt>
+    <dgm:pt modelId="{3C783191-57F5-4329-A16E-BDD3AC855541}" type="pres">
+      <dgm:prSet presAssocID="{6E76FB62-59FD-466A-B79E-68E9B8318BC7}" presName="parentLeftMargin" presStyleLbl="node1" presStyleIdx="1" presStyleCnt="3"/>
+      <dgm:spPr/>
+    </dgm:pt>
+    <dgm:pt modelId="{EE3D6AF1-F946-447E-B39A-4AC6978A7AF7}" type="pres">
       <dgm:prSet presAssocID="{6E76FB62-59FD-466A-B79E-68E9B8318BC7}" presName="parentText" presStyleLbl="node1" presStyleIdx="2" presStyleCnt="3">
         <dgm:presLayoutVars>
           <dgm:chMax val="0"/>
@@ -1351,8 +1399,12 @@
       </dgm:prSet>
       <dgm:spPr/>
     </dgm:pt>
-    <dgm:pt modelId="{894BC2EC-DD6E-4C63-B03D-1B335154DD9D}" type="pres">
-      <dgm:prSet presAssocID="{6E76FB62-59FD-466A-B79E-68E9B8318BC7}" presName="childText" presStyleLbl="revTx" presStyleIdx="2" presStyleCnt="3">
+    <dgm:pt modelId="{D518D84F-204C-4810-9CB2-D46802C423E3}" type="pres">
+      <dgm:prSet presAssocID="{6E76FB62-59FD-466A-B79E-68E9B8318BC7}" presName="negativeSpace" presStyleCnt="0"/>
+      <dgm:spPr/>
+    </dgm:pt>
+    <dgm:pt modelId="{5E50086C-EEB3-4158-A980-BE7643E32F67}" type="pres">
+      <dgm:prSet presAssocID="{6E76FB62-59FD-466A-B79E-68E9B8318BC7}" presName="childText" presStyleLbl="conFgAcc1" presStyleIdx="2" presStyleCnt="3">
         <dgm:presLayoutVars>
           <dgm:bulletEnabled val="1"/>
         </dgm:presLayoutVars>
@@ -1361,33 +1413,47 @@
     </dgm:pt>
   </dgm:ptLst>
   <dgm:cxnLst>
-    <dgm:cxn modelId="{2AFC3607-96D7-42F6-B09F-D557926777A2}" type="presOf" srcId="{306E0556-22B5-4A8F-B55B-8438105B2098}" destId="{0BCD872B-E010-443D-9BF7-98A430C88DB2}" srcOrd="0" destOrd="1" presId="urn:microsoft.com/office/officeart/2005/8/layout/vList2"/>
-    <dgm:cxn modelId="{22A6D90E-AD9A-43CA-9022-371A32E0CB2C}" type="presOf" srcId="{9C08E64E-41C7-469A-AF1A-6B24AF02C254}" destId="{E817BC41-566F-414D-A84D-C62283E55EF8}" srcOrd="0" destOrd="1" presId="urn:microsoft.com/office/officeart/2005/8/layout/vList2"/>
-    <dgm:cxn modelId="{9E9F0110-9E06-43C5-AA8C-252EC276A6D4}" type="presOf" srcId="{B1C489BB-CA53-4AC3-93A8-6469EF2B69F7}" destId="{E817BC41-566F-414D-A84D-C62283E55EF8}" srcOrd="0" destOrd="2" presId="urn:microsoft.com/office/officeart/2005/8/layout/vList2"/>
-    <dgm:cxn modelId="{ACCE2D10-2C5E-4999-9234-0569EE4598B7}" type="presOf" srcId="{4A17B0A2-45CA-4851-B2A9-24F01061BE0A}" destId="{894BC2EC-DD6E-4C63-B03D-1B335154DD9D}" srcOrd="0" destOrd="1" presId="urn:microsoft.com/office/officeart/2005/8/layout/vList2"/>
-    <dgm:cxn modelId="{C622CE12-2C7F-40E2-B000-60D087589D8E}" type="presOf" srcId="{44F1916B-FD28-419D-BA52-C490013C131E}" destId="{8424D530-20DA-4BEA-80E2-F88311080C29}" srcOrd="0" destOrd="0" presId="urn:microsoft.com/office/officeart/2005/8/layout/vList2"/>
-    <dgm:cxn modelId="{55A93813-CFB9-45AC-BC43-DBD56271D268}" type="presOf" srcId="{F98B21DE-99D1-4D65-95D2-9C84DE89D07D}" destId="{AAD276B1-4BEE-4DBF-AF7B-92374175D5C6}" srcOrd="0" destOrd="0" presId="urn:microsoft.com/office/officeart/2005/8/layout/vList2"/>
+    <dgm:cxn modelId="{BAECD803-2DF5-426B-863D-B1ABEC9A6A2C}" type="presOf" srcId="{6E76FB62-59FD-466A-B79E-68E9B8318BC7}" destId="{3C783191-57F5-4329-A16E-BDD3AC855541}" srcOrd="0" destOrd="0" presId="urn:microsoft.com/office/officeart/2005/8/layout/list1"/>
+    <dgm:cxn modelId="{2DB07E12-0A0A-4DDC-9468-041A7F53306C}" type="presOf" srcId="{7CE35324-A8ED-415B-A644-295E030A9F49}" destId="{EA5B2BA8-6A8F-47B2-B45D-1E9FDE4D38FA}" srcOrd="0" destOrd="0" presId="urn:microsoft.com/office/officeart/2005/8/layout/list1"/>
+    <dgm:cxn modelId="{5ABFBF1D-3206-4B71-8C4D-67F23FE89C31}" type="presOf" srcId="{4A17B0A2-45CA-4851-B2A9-24F01061BE0A}" destId="{5E50086C-EEB3-4158-A980-BE7643E32F67}" srcOrd="0" destOrd="1" presId="urn:microsoft.com/office/officeart/2005/8/layout/list1"/>
     <dgm:cxn modelId="{4AA87D30-F746-499A-A7F5-97A8BB191E32}" srcId="{F98B21DE-99D1-4D65-95D2-9C84DE89D07D}" destId="{7CE35324-A8ED-415B-A644-295E030A9F49}" srcOrd="0" destOrd="0" parTransId="{DED97968-D1A3-435F-93BF-4CC67C70D5B5}" sibTransId="{AD099003-67FC-4E22-9216-016056E7C624}"/>
     <dgm:cxn modelId="{BC393D61-0153-4AFA-BB2A-48F832E48169}" srcId="{F98B21DE-99D1-4D65-95D2-9C84DE89D07D}" destId="{9C08E64E-41C7-469A-AF1A-6B24AF02C254}" srcOrd="1" destOrd="0" parTransId="{0BBB3799-0CB3-4001-870E-51C5349F5251}" sibTransId="{D5202E7C-BD8E-48CA-BC03-11233B9F8018}"/>
     <dgm:cxn modelId="{9BDDA161-8FBC-494B-8715-428971D2EEEB}" srcId="{DF342D58-CE06-4339-A231-68EB4A8D2099}" destId="{306E0556-22B5-4A8F-B55B-8438105B2098}" srcOrd="1" destOrd="0" parTransId="{BE7B4C7F-91CE-4367-A4C8-17DFDF664660}" sibTransId="{25768C35-8F71-4CC8-A327-D6C930829388}"/>
+    <dgm:cxn modelId="{8DD38A67-4E7E-4422-A5BF-C69CAAB4D89D}" type="presOf" srcId="{B1C489BB-CA53-4AC3-93A8-6469EF2B69F7}" destId="{EA5B2BA8-6A8F-47B2-B45D-1E9FDE4D38FA}" srcOrd="0" destOrd="2" presId="urn:microsoft.com/office/officeart/2005/8/layout/list1"/>
     <dgm:cxn modelId="{E19AF149-6C51-41A8-9686-078AE9012159}" srcId="{6E76FB62-59FD-466A-B79E-68E9B8318BC7}" destId="{4A17B0A2-45CA-4851-B2A9-24F01061BE0A}" srcOrd="1" destOrd="0" parTransId="{873B5E74-2C95-4AFD-A70B-9EA617BB1EB2}" sibTransId="{2C33C38B-53FE-438C-A1A4-7A1ADB66BEC8}"/>
-    <dgm:cxn modelId="{6C2D5E54-60B5-4834-A5FF-E2B0C0B6D41D}" type="presOf" srcId="{AC487406-C4C1-4470-971F-7E39FCC7ADF3}" destId="{894BC2EC-DD6E-4C63-B03D-1B335154DD9D}" srcOrd="0" destOrd="0" presId="urn:microsoft.com/office/officeart/2005/8/layout/vList2"/>
+    <dgm:cxn modelId="{A79D756D-C038-44E8-A427-07AB214217B6}" type="presOf" srcId="{6E76FB62-59FD-466A-B79E-68E9B8318BC7}" destId="{EE3D6AF1-F946-447E-B39A-4AC6978A7AF7}" srcOrd="1" destOrd="0" presId="urn:microsoft.com/office/officeart/2005/8/layout/list1"/>
+    <dgm:cxn modelId="{0C1FBF53-1445-44D2-8828-3025144C325E}" type="presOf" srcId="{44ACB2AB-DA90-49B1-B5D2-401671658575}" destId="{1B32F48D-E892-454A-9FC6-245EA2E9654D}" srcOrd="0" destOrd="0" presId="urn:microsoft.com/office/officeart/2005/8/layout/list1"/>
     <dgm:cxn modelId="{19321559-3781-48C9-A73F-848F560E92A4}" srcId="{DF342D58-CE06-4339-A231-68EB4A8D2099}" destId="{44ACB2AB-DA90-49B1-B5D2-401671658575}" srcOrd="0" destOrd="0" parTransId="{60C4B201-847C-4343-B11A-07784DE7B244}" sibTransId="{573AF9BC-FDA3-47E7-9923-4B182C510311}"/>
     <dgm:cxn modelId="{C2FB175A-110F-4DD0-8B99-2DD5C8A5AA20}" srcId="{F98B21DE-99D1-4D65-95D2-9C84DE89D07D}" destId="{B1C489BB-CA53-4AC3-93A8-6469EF2B69F7}" srcOrd="2" destOrd="0" parTransId="{994088B4-C487-448B-B857-F88EB6FD6578}" sibTransId="{CFCEE971-0C6F-44C5-8C97-9E174AE87C9A}"/>
     <dgm:cxn modelId="{09F31481-D9DF-4880-BBEF-DFA8F613DDE4}" srcId="{44F1916B-FD28-419D-BA52-C490013C131E}" destId="{6E76FB62-59FD-466A-B79E-68E9B8318BC7}" srcOrd="2" destOrd="0" parTransId="{2954DC86-AB87-4411-B346-F24F9B66114E}" sibTransId="{C3DB4DB3-D15C-4740-B299-5C1F9D2C725D}"/>
-    <dgm:cxn modelId="{207F2790-2877-469A-A645-8CA8F09ADB32}" type="presOf" srcId="{6E76FB62-59FD-466A-B79E-68E9B8318BC7}" destId="{82706923-4E04-4AEE-8175-4405C5336D00}" srcOrd="0" destOrd="0" presId="urn:microsoft.com/office/officeart/2005/8/layout/vList2"/>
-    <dgm:cxn modelId="{8F8077BA-8367-4FC5-A6F0-8D619E92ABFA}" type="presOf" srcId="{7CE35324-A8ED-415B-A644-295E030A9F49}" destId="{E817BC41-566F-414D-A84D-C62283E55EF8}" srcOrd="0" destOrd="0" presId="urn:microsoft.com/office/officeart/2005/8/layout/vList2"/>
+    <dgm:cxn modelId="{8A8453A3-8E77-4AB4-90A1-93BF533F4710}" type="presOf" srcId="{F98B21DE-99D1-4D65-95D2-9C84DE89D07D}" destId="{F84505ED-BF58-47F0-A462-7A3C4439696D}" srcOrd="1" destOrd="0" presId="urn:microsoft.com/office/officeart/2005/8/layout/list1"/>
+    <dgm:cxn modelId="{324648AC-8A90-40D4-AF80-3E9CA07AC193}" type="presOf" srcId="{306E0556-22B5-4A8F-B55B-8438105B2098}" destId="{1B32F48D-E892-454A-9FC6-245EA2E9654D}" srcOrd="0" destOrd="1" presId="urn:microsoft.com/office/officeart/2005/8/layout/list1"/>
+    <dgm:cxn modelId="{862EB3AD-5B05-4591-8DF0-4628DE349E78}" type="presOf" srcId="{AC487406-C4C1-4470-971F-7E39FCC7ADF3}" destId="{5E50086C-EEB3-4158-A980-BE7643E32F67}" srcOrd="0" destOrd="0" presId="urn:microsoft.com/office/officeart/2005/8/layout/list1"/>
     <dgm:cxn modelId="{8DDA98C1-3F5F-4695-8EB2-BFC34C1F9DB7}" srcId="{6E76FB62-59FD-466A-B79E-68E9B8318BC7}" destId="{AC487406-C4C1-4470-971F-7E39FCC7ADF3}" srcOrd="0" destOrd="0" parTransId="{B0263439-B2BF-4553-87EB-9F96204EA08D}" sibTransId="{B9FFBCB5-DE14-4FF0-9FB2-1B20C05C9512}"/>
-    <dgm:cxn modelId="{2CD2D0CB-9665-4343-8F34-EBECBD214789}" type="presOf" srcId="{44ACB2AB-DA90-49B1-B5D2-401671658575}" destId="{0BCD872B-E010-443D-9BF7-98A430C88DB2}" srcOrd="0" destOrd="0" presId="urn:microsoft.com/office/officeart/2005/8/layout/vList2"/>
+    <dgm:cxn modelId="{1D369DC1-474A-4B51-8885-78233251F11B}" type="presOf" srcId="{DF342D58-CE06-4339-A231-68EB4A8D2099}" destId="{1B07E035-A24A-4F1D-A8AE-2AFE47D1AE40}" srcOrd="1" destOrd="0" presId="urn:microsoft.com/office/officeart/2005/8/layout/list1"/>
+    <dgm:cxn modelId="{303F45C4-9F14-4E64-A223-B4CA3CEFF6DD}" type="presOf" srcId="{9C08E64E-41C7-469A-AF1A-6B24AF02C254}" destId="{EA5B2BA8-6A8F-47B2-B45D-1E9FDE4D38FA}" srcOrd="0" destOrd="1" presId="urn:microsoft.com/office/officeart/2005/8/layout/list1"/>
     <dgm:cxn modelId="{CA16A8D1-70E8-4BFB-8B19-CF3DD40C48D4}" srcId="{44F1916B-FD28-419D-BA52-C490013C131E}" destId="{F98B21DE-99D1-4D65-95D2-9C84DE89D07D}" srcOrd="1" destOrd="0" parTransId="{4D7BBFA3-08FB-4A8E-8E93-F83F7AE69E2C}" sibTransId="{CF40ABBA-4EDD-40D4-B064-FC6C889BF63A}"/>
-    <dgm:cxn modelId="{130B3CE6-3670-4A4E-A363-5C0388616844}" type="presOf" srcId="{DF342D58-CE06-4339-A231-68EB4A8D2099}" destId="{E4B5D441-5CA5-4CE2-A5C0-4F59D04CEA1E}" srcOrd="0" destOrd="0" presId="urn:microsoft.com/office/officeart/2005/8/layout/vList2"/>
+    <dgm:cxn modelId="{618CE8D7-A116-40D3-B6BD-3B3669A24982}" type="presOf" srcId="{F98B21DE-99D1-4D65-95D2-9C84DE89D07D}" destId="{F02582E3-9991-4E26-A303-24BD1E63840A}" srcOrd="0" destOrd="0" presId="urn:microsoft.com/office/officeart/2005/8/layout/list1"/>
+    <dgm:cxn modelId="{B7C0B6EC-1879-4250-A71A-AF205BC1A735}" type="presOf" srcId="{DF342D58-CE06-4339-A231-68EB4A8D2099}" destId="{B6CA8707-48E1-4925-8CC0-2F0442460F75}" srcOrd="0" destOrd="0" presId="urn:microsoft.com/office/officeart/2005/8/layout/list1"/>
     <dgm:cxn modelId="{97E6BDF6-F6F4-4550-90EC-DC04B635ED46}" srcId="{44F1916B-FD28-419D-BA52-C490013C131E}" destId="{DF342D58-CE06-4339-A231-68EB4A8D2099}" srcOrd="0" destOrd="0" parTransId="{BC69A3B5-8554-4C53-8965-A670EDBB1598}" sibTransId="{F8E408D2-9DA1-4588-84B4-BC85D0FF75F8}"/>
-    <dgm:cxn modelId="{D35EC197-0E9D-4D8C-9F38-920E0ADD0198}" type="presParOf" srcId="{8424D530-20DA-4BEA-80E2-F88311080C29}" destId="{E4B5D441-5CA5-4CE2-A5C0-4F59D04CEA1E}" srcOrd="0" destOrd="0" presId="urn:microsoft.com/office/officeart/2005/8/layout/vList2"/>
-    <dgm:cxn modelId="{806AA48E-DC0A-41F5-A8D5-D982AC0070DA}" type="presParOf" srcId="{8424D530-20DA-4BEA-80E2-F88311080C29}" destId="{0BCD872B-E010-443D-9BF7-98A430C88DB2}" srcOrd="1" destOrd="0" presId="urn:microsoft.com/office/officeart/2005/8/layout/vList2"/>
-    <dgm:cxn modelId="{D4BA6DD6-3502-48D5-8BC7-7155CBEAF65D}" type="presParOf" srcId="{8424D530-20DA-4BEA-80E2-F88311080C29}" destId="{AAD276B1-4BEE-4DBF-AF7B-92374175D5C6}" srcOrd="2" destOrd="0" presId="urn:microsoft.com/office/officeart/2005/8/layout/vList2"/>
-    <dgm:cxn modelId="{AC08EB1D-0C9C-4EB7-BBDC-2CEBAAFECCED}" type="presParOf" srcId="{8424D530-20DA-4BEA-80E2-F88311080C29}" destId="{E817BC41-566F-414D-A84D-C62283E55EF8}" srcOrd="3" destOrd="0" presId="urn:microsoft.com/office/officeart/2005/8/layout/vList2"/>
-    <dgm:cxn modelId="{38932986-9548-44CA-AB8A-77E6C479FC61}" type="presParOf" srcId="{8424D530-20DA-4BEA-80E2-F88311080C29}" destId="{82706923-4E04-4AEE-8175-4405C5336D00}" srcOrd="4" destOrd="0" presId="urn:microsoft.com/office/officeart/2005/8/layout/vList2"/>
-    <dgm:cxn modelId="{375E989C-991F-4C7D-831B-38485A494F1E}" type="presParOf" srcId="{8424D530-20DA-4BEA-80E2-F88311080C29}" destId="{894BC2EC-DD6E-4C63-B03D-1B335154DD9D}" srcOrd="5" destOrd="0" presId="urn:microsoft.com/office/officeart/2005/8/layout/vList2"/>
+    <dgm:cxn modelId="{DEE655FA-39AE-44D7-B9A0-287A353DC1E2}" type="presOf" srcId="{44F1916B-FD28-419D-BA52-C490013C131E}" destId="{0D5B8EEE-C81D-40AB-9886-96D7338BCE22}" srcOrd="0" destOrd="0" presId="urn:microsoft.com/office/officeart/2005/8/layout/list1"/>
+    <dgm:cxn modelId="{64648E2E-D8CB-44ED-9A3C-E52D15C9902C}" type="presParOf" srcId="{0D5B8EEE-C81D-40AB-9886-96D7338BCE22}" destId="{197EAE7A-28B7-4640-BD34-448195F980BE}" srcOrd="0" destOrd="0" presId="urn:microsoft.com/office/officeart/2005/8/layout/list1"/>
+    <dgm:cxn modelId="{67D45A8D-44AF-41C5-AF13-6803F4A4C833}" type="presParOf" srcId="{197EAE7A-28B7-4640-BD34-448195F980BE}" destId="{B6CA8707-48E1-4925-8CC0-2F0442460F75}" srcOrd="0" destOrd="0" presId="urn:microsoft.com/office/officeart/2005/8/layout/list1"/>
+    <dgm:cxn modelId="{5D964EEF-F970-4C3D-866E-D61AD411AA3E}" type="presParOf" srcId="{197EAE7A-28B7-4640-BD34-448195F980BE}" destId="{1B07E035-A24A-4F1D-A8AE-2AFE47D1AE40}" srcOrd="1" destOrd="0" presId="urn:microsoft.com/office/officeart/2005/8/layout/list1"/>
+    <dgm:cxn modelId="{5F095FE9-AEF6-4331-AA50-3F46E7B9B17E}" type="presParOf" srcId="{0D5B8EEE-C81D-40AB-9886-96D7338BCE22}" destId="{C4797494-D2B9-4D27-9D53-F38F647C1ECF}" srcOrd="1" destOrd="0" presId="urn:microsoft.com/office/officeart/2005/8/layout/list1"/>
+    <dgm:cxn modelId="{167A94C0-94FA-46C1-B5D4-EFCD365E6DF7}" type="presParOf" srcId="{0D5B8EEE-C81D-40AB-9886-96D7338BCE22}" destId="{1B32F48D-E892-454A-9FC6-245EA2E9654D}" srcOrd="2" destOrd="0" presId="urn:microsoft.com/office/officeart/2005/8/layout/list1"/>
+    <dgm:cxn modelId="{F2E0CB67-67F3-4EA3-A57C-02F27FC062B3}" type="presParOf" srcId="{0D5B8EEE-C81D-40AB-9886-96D7338BCE22}" destId="{63B0A3BB-56F0-4429-8F8A-E5327B6F45D2}" srcOrd="3" destOrd="0" presId="urn:microsoft.com/office/officeart/2005/8/layout/list1"/>
+    <dgm:cxn modelId="{EB5EC645-0DB4-420D-AC64-B75545183CB7}" type="presParOf" srcId="{0D5B8EEE-C81D-40AB-9886-96D7338BCE22}" destId="{01010697-0334-4F48-A7CE-94C05B102D3B}" srcOrd="4" destOrd="0" presId="urn:microsoft.com/office/officeart/2005/8/layout/list1"/>
+    <dgm:cxn modelId="{47D663CC-3EE3-421E-9C88-8DD2568F5408}" type="presParOf" srcId="{01010697-0334-4F48-A7CE-94C05B102D3B}" destId="{F02582E3-9991-4E26-A303-24BD1E63840A}" srcOrd="0" destOrd="0" presId="urn:microsoft.com/office/officeart/2005/8/layout/list1"/>
+    <dgm:cxn modelId="{4F7BFD06-A5AC-4547-B42C-835E3F3B5A56}" type="presParOf" srcId="{01010697-0334-4F48-A7CE-94C05B102D3B}" destId="{F84505ED-BF58-47F0-A462-7A3C4439696D}" srcOrd="1" destOrd="0" presId="urn:microsoft.com/office/officeart/2005/8/layout/list1"/>
+    <dgm:cxn modelId="{45EA7E99-1372-4D25-9C2F-2CD5A0C1EF14}" type="presParOf" srcId="{0D5B8EEE-C81D-40AB-9886-96D7338BCE22}" destId="{EA0F9E50-9FBB-447D-BD3C-C49123F52B52}" srcOrd="5" destOrd="0" presId="urn:microsoft.com/office/officeart/2005/8/layout/list1"/>
+    <dgm:cxn modelId="{7518D10B-7B5D-4436-95EE-1C8F611617D4}" type="presParOf" srcId="{0D5B8EEE-C81D-40AB-9886-96D7338BCE22}" destId="{EA5B2BA8-6A8F-47B2-B45D-1E9FDE4D38FA}" srcOrd="6" destOrd="0" presId="urn:microsoft.com/office/officeart/2005/8/layout/list1"/>
+    <dgm:cxn modelId="{091E2A3C-B806-466F-8F90-50129A26E730}" type="presParOf" srcId="{0D5B8EEE-C81D-40AB-9886-96D7338BCE22}" destId="{1D87547B-133F-4405-AA3B-350AFB4AC3DE}" srcOrd="7" destOrd="0" presId="urn:microsoft.com/office/officeart/2005/8/layout/list1"/>
+    <dgm:cxn modelId="{DD8A2356-5519-4FC0-A3EA-3CAE599926A4}" type="presParOf" srcId="{0D5B8EEE-C81D-40AB-9886-96D7338BCE22}" destId="{28A1525F-C973-4BA0-8231-6925CE7F5CAF}" srcOrd="8" destOrd="0" presId="urn:microsoft.com/office/officeart/2005/8/layout/list1"/>
+    <dgm:cxn modelId="{E76BE0C7-DE1E-4165-BEAA-B62DE00AC95A}" type="presParOf" srcId="{28A1525F-C973-4BA0-8231-6925CE7F5CAF}" destId="{3C783191-57F5-4329-A16E-BDD3AC855541}" srcOrd="0" destOrd="0" presId="urn:microsoft.com/office/officeart/2005/8/layout/list1"/>
+    <dgm:cxn modelId="{0BB93595-B08C-4045-8990-0E5F3D860B9A}" type="presParOf" srcId="{28A1525F-C973-4BA0-8231-6925CE7F5CAF}" destId="{EE3D6AF1-F946-447E-B39A-4AC6978A7AF7}" srcOrd="1" destOrd="0" presId="urn:microsoft.com/office/officeart/2005/8/layout/list1"/>
+    <dgm:cxn modelId="{25E17467-3560-4A25-8F1D-3F9422E95E3F}" type="presParOf" srcId="{0D5B8EEE-C81D-40AB-9886-96D7338BCE22}" destId="{D518D84F-204C-4810-9CB2-D46802C423E3}" srcOrd="9" destOrd="0" presId="urn:microsoft.com/office/officeart/2005/8/layout/list1"/>
+    <dgm:cxn modelId="{F64455B4-5857-4A44-AE52-3D7013095762}" type="presParOf" srcId="{0D5B8EEE-C81D-40AB-9886-96D7338BCE22}" destId="{5E50086C-EEB3-4158-A980-BE7643E32F67}" srcOrd="10" destOrd="0" presId="urn:microsoft.com/office/officeart/2005/8/layout/list1"/>
   </dgm:cxnLst>
   <dgm:bg/>
   <dgm:whole/>
@@ -1407,15 +1473,111 @@
       <dsp:cNvGrpSpPr/>
     </dsp:nvGrpSpPr>
     <dsp:grpSpPr/>
-    <dsp:sp modelId="{E4B5D441-5CA5-4CE2-A5C0-4F59D04CEA1E}">
+    <dsp:sp modelId="{1B32F48D-E892-454A-9FC6-245EA2E9654D}">
       <dsp:nvSpPr>
         <dsp:cNvPr id="0" name=""/>
         <dsp:cNvSpPr/>
       </dsp:nvSpPr>
       <dsp:spPr>
         <a:xfrm>
-          <a:off x="0" y="181716"/>
-          <a:ext cx="5849257" cy="694980"/>
+          <a:off x="0" y="373314"/>
+          <a:ext cx="7978144" cy="1289925"/>
+        </a:xfrm>
+        <a:prstGeom prst="rect">
+          <a:avLst/>
+        </a:prstGeom>
+        <a:solidFill>
+          <a:schemeClr val="lt1">
+            <a:alpha val="90000"/>
+            <a:hueOff val="0"/>
+            <a:satOff val="0"/>
+            <a:lumOff val="0"/>
+            <a:alphaOff val="0"/>
+          </a:schemeClr>
+        </a:solidFill>
+        <a:ln w="12700" cap="flat" cmpd="sng" algn="ctr">
+          <a:solidFill>
+            <a:schemeClr val="accent1">
+              <a:hueOff val="0"/>
+              <a:satOff val="0"/>
+              <a:lumOff val="0"/>
+              <a:alphaOff val="0"/>
+            </a:schemeClr>
+          </a:solidFill>
+          <a:prstDash val="solid"/>
+          <a:miter lim="800000"/>
+        </a:ln>
+        <a:effectLst/>
+      </dsp:spPr>
+      <dsp:style>
+        <a:lnRef idx="2">
+          <a:scrgbClr r="0" g="0" b="0"/>
+        </a:lnRef>
+        <a:fillRef idx="1">
+          <a:scrgbClr r="0" g="0" b="0"/>
+        </a:fillRef>
+        <a:effectRef idx="0">
+          <a:scrgbClr r="0" g="0" b="0"/>
+        </a:effectRef>
+        <a:fontRef idx="minor"/>
+      </dsp:style>
+      <dsp:txBody>
+        <a:bodyPr spcFirstLastPara="0" vert="horz" wrap="square" lIns="619193" tIns="437388" rIns="619193" bIns="149352" numCol="1" spcCol="1270" anchor="t" anchorCtr="0">
+          <a:noAutofit/>
+        </a:bodyPr>
+        <a:lstStyle/>
+        <a:p>
+          <a:pPr marL="228600" lvl="1" indent="-228600" algn="l" defTabSz="933450">
+            <a:lnSpc>
+              <a:spcPct val="100000"/>
+            </a:lnSpc>
+            <a:spcBef>
+              <a:spcPct val="0"/>
+            </a:spcBef>
+            <a:spcAft>
+              <a:spcPct val="15000"/>
+            </a:spcAft>
+            <a:buChar char="•"/>
+          </a:pPr>
+          <a:r>
+            <a:rPr lang="en-US" sz="2100" kern="1200"/>
+            <a:t>It’s Free!</a:t>
+          </a:r>
+          <a:endParaRPr lang="en-US" sz="2100" kern="1200" dirty="0"/>
+        </a:p>
+        <a:p>
+          <a:pPr marL="228600" lvl="1" indent="-228600" algn="l" defTabSz="933450">
+            <a:lnSpc>
+              <a:spcPct val="100000"/>
+            </a:lnSpc>
+            <a:spcBef>
+              <a:spcPct val="0"/>
+            </a:spcBef>
+            <a:spcAft>
+              <a:spcPct val="15000"/>
+            </a:spcAft>
+            <a:buChar char="•"/>
+          </a:pPr>
+          <a:r>
+            <a:rPr lang="en-US" sz="2100" kern="1200" dirty="0"/>
+            <a:t>You already know PowerShell.</a:t>
+          </a:r>
+        </a:p>
+      </dsp:txBody>
+      <dsp:txXfrm>
+        <a:off x="0" y="373314"/>
+        <a:ext cx="7978144" cy="1289925"/>
+      </dsp:txXfrm>
+    </dsp:sp>
+    <dsp:sp modelId="{1B07E035-A24A-4F1D-A8AE-2AFE47D1AE40}">
+      <dsp:nvSpPr>
+        <dsp:cNvPr id="0" name=""/>
+        <dsp:cNvSpPr/>
+      </dsp:nvSpPr>
+      <dsp:spPr>
+        <a:xfrm>
+          <a:off x="398907" y="63354"/>
+          <a:ext cx="5584700" cy="619920"/>
         </a:xfrm>
         <a:prstGeom prst="roundRect">
           <a:avLst/>
@@ -1457,12 +1619,12 @@
         </a:fontRef>
       </dsp:style>
       <dsp:txBody>
-        <a:bodyPr spcFirstLastPara="0" vert="horz" wrap="square" lIns="102870" tIns="102870" rIns="102870" bIns="102870" numCol="1" spcCol="1270" anchor="ctr" anchorCtr="0">
+        <a:bodyPr spcFirstLastPara="0" vert="horz" wrap="square" lIns="211088" tIns="0" rIns="211088" bIns="0" numCol="1" spcCol="1270" anchor="ctr" anchorCtr="0">
           <a:noAutofit/>
         </a:bodyPr>
         <a:lstStyle/>
         <a:p>
-          <a:pPr marL="0" lvl="0" indent="0" algn="l" defTabSz="1200150">
+          <a:pPr marL="0" lvl="0" indent="0" algn="l" defTabSz="933450">
             <a:lnSpc>
               <a:spcPct val="100000"/>
             </a:lnSpc>
@@ -1475,41 +1637,58 @@
             <a:buNone/>
           </a:pPr>
           <a:r>
-            <a:rPr lang="en-US" sz="2700" kern="1200"/>
+            <a:rPr lang="en-US" sz="2100" kern="1200"/>
             <a:t>Why Pester?</a:t>
           </a:r>
-          <a:endParaRPr lang="en-US" sz="2700" kern="1200" dirty="0"/>
+          <a:endParaRPr lang="en-US" sz="2100" kern="1200" dirty="0"/>
         </a:p>
       </dsp:txBody>
       <dsp:txXfrm>
-        <a:off x="33926" y="215642"/>
-        <a:ext cx="5781405" cy="627128"/>
+        <a:off x="429169" y="93616"/>
+        <a:ext cx="5524176" cy="559396"/>
       </dsp:txXfrm>
     </dsp:sp>
-    <dsp:sp modelId="{0BCD872B-E010-443D-9BF7-98A430C88DB2}">
+    <dsp:sp modelId="{EA5B2BA8-6A8F-47B2-B45D-1E9FDE4D38FA}">
       <dsp:nvSpPr>
         <dsp:cNvPr id="0" name=""/>
         <dsp:cNvSpPr/>
       </dsp:nvSpPr>
       <dsp:spPr>
         <a:xfrm>
-          <a:off x="0" y="876696"/>
-          <a:ext cx="5849257" cy="796432"/>
+          <a:off x="0" y="2086600"/>
+          <a:ext cx="7978144" cy="2017575"/>
         </a:xfrm>
         <a:prstGeom prst="rect">
           <a:avLst/>
         </a:prstGeom>
-        <a:noFill/>
-        <a:ln>
-          <a:noFill/>
+        <a:solidFill>
+          <a:schemeClr val="lt1">
+            <a:alpha val="90000"/>
+            <a:hueOff val="0"/>
+            <a:satOff val="0"/>
+            <a:lumOff val="0"/>
+            <a:alphaOff val="0"/>
+          </a:schemeClr>
+        </a:solidFill>
+        <a:ln w="12700" cap="flat" cmpd="sng" algn="ctr">
+          <a:solidFill>
+            <a:schemeClr val="accent1">
+              <a:hueOff val="0"/>
+              <a:satOff val="0"/>
+              <a:lumOff val="0"/>
+              <a:alphaOff val="0"/>
+            </a:schemeClr>
+          </a:solidFill>
+          <a:prstDash val="solid"/>
+          <a:miter lim="800000"/>
         </a:ln>
         <a:effectLst/>
       </dsp:spPr>
       <dsp:style>
-        <a:lnRef idx="0">
+        <a:lnRef idx="2">
           <a:scrgbClr r="0" g="0" b="0"/>
         </a:lnRef>
-        <a:fillRef idx="0">
+        <a:fillRef idx="1">
           <a:scrgbClr r="0" g="0" b="0"/>
         </a:fillRef>
         <a:effectRef idx="0">
@@ -1518,7 +1697,7 @@
         <a:fontRef idx="minor"/>
       </dsp:style>
       <dsp:txBody>
-        <a:bodyPr spcFirstLastPara="0" vert="horz" wrap="square" lIns="185714" tIns="34290" rIns="192024" bIns="34290" numCol="1" spcCol="1270" anchor="t" anchorCtr="0">
+        <a:bodyPr spcFirstLastPara="0" vert="horz" wrap="square" lIns="619193" tIns="437388" rIns="619193" bIns="149352" numCol="1" spcCol="1270" anchor="t" anchorCtr="0">
           <a:noAutofit/>
         </a:bodyPr>
         <a:lstStyle/>
@@ -1531,13 +1710,13 @@
               <a:spcPct val="0"/>
             </a:spcBef>
             <a:spcAft>
-              <a:spcPct val="20000"/>
+              <a:spcPct val="15000"/>
             </a:spcAft>
             <a:buChar char="•"/>
           </a:pPr>
           <a:r>
             <a:rPr lang="en-US" sz="2100" kern="1200"/>
-            <a:t>It’s Free!</a:t>
+            <a:t>Critical Agent Installation and Configuration.</a:t>
           </a:r>
           <a:endParaRPr lang="en-US" sz="2100" kern="1200" dirty="0"/>
         </a:p>
@@ -1550,30 +1729,58 @@
               <a:spcPct val="0"/>
             </a:spcBef>
             <a:spcAft>
-              <a:spcPct val="20000"/>
+              <a:spcPct val="15000"/>
             </a:spcAft>
             <a:buChar char="•"/>
           </a:pPr>
           <a:r>
-            <a:rPr lang="en-US" sz="2100" kern="1200" dirty="0"/>
-            <a:t>You already know PowerShell.</a:t>
+            <a:rPr lang="en-US" sz="2100" kern="1200"/>
+            <a:t>Specific policies you expect to be configured a certain way.</a:t>
           </a:r>
+          <a:endParaRPr lang="en-US" sz="2100" kern="1200" dirty="0"/>
+        </a:p>
+        <a:p>
+          <a:pPr marL="228600" lvl="1" indent="-228600" algn="l" defTabSz="933450">
+            <a:lnSpc>
+              <a:spcPct val="100000"/>
+            </a:lnSpc>
+            <a:spcBef>
+              <a:spcPct val="0"/>
+            </a:spcBef>
+            <a:spcAft>
+              <a:spcPct val="15000"/>
+            </a:spcAft>
+            <a:buChar char="•"/>
+          </a:pPr>
+          <a:r>
+            <a:rPr lang="en-US" sz="2100" kern="1200"/>
+            <a:t>Did someone reinstall PowerShell v2?  SMBv1? Did an application disable your 3</a:t>
+          </a:r>
+          <a:r>
+            <a:rPr lang="en-US" sz="2100" kern="1200" baseline="30000"/>
+            <a:t>rd</a:t>
+          </a:r>
+          <a:r>
+            <a:rPr lang="en-US" sz="2100" kern="1200"/>
+            <a:t> party AV?</a:t>
+          </a:r>
+          <a:endParaRPr lang="en-US" sz="2100" kern="1200" dirty="0"/>
         </a:p>
       </dsp:txBody>
       <dsp:txXfrm>
-        <a:off x="0" y="876696"/>
-        <a:ext cx="5849257" cy="796432"/>
+        <a:off x="0" y="2086600"/>
+        <a:ext cx="7978144" cy="2017575"/>
       </dsp:txXfrm>
     </dsp:sp>
-    <dsp:sp modelId="{AAD276B1-4BEE-4DBF-AF7B-92374175D5C6}">
+    <dsp:sp modelId="{F84505ED-BF58-47F0-A462-7A3C4439696D}">
       <dsp:nvSpPr>
         <dsp:cNvPr id="0" name=""/>
         <dsp:cNvSpPr/>
       </dsp:nvSpPr>
       <dsp:spPr>
         <a:xfrm>
-          <a:off x="0" y="1673128"/>
-          <a:ext cx="5849257" cy="694980"/>
+          <a:off x="398907" y="1776640"/>
+          <a:ext cx="5584700" cy="619920"/>
         </a:xfrm>
         <a:prstGeom prst="roundRect">
           <a:avLst/>
@@ -1615,12 +1822,12 @@
         </a:fontRef>
       </dsp:style>
       <dsp:txBody>
-        <a:bodyPr spcFirstLastPara="0" vert="horz" wrap="square" lIns="102870" tIns="102870" rIns="102870" bIns="102870" numCol="1" spcCol="1270" anchor="ctr" anchorCtr="0">
+        <a:bodyPr spcFirstLastPara="0" vert="horz" wrap="square" lIns="211088" tIns="0" rIns="211088" bIns="0" numCol="1" spcCol="1270" anchor="ctr" anchorCtr="0">
           <a:noAutofit/>
         </a:bodyPr>
         <a:lstStyle/>
         <a:p>
-          <a:pPr marL="0" lvl="0" indent="0" algn="l" defTabSz="1200150">
+          <a:pPr marL="0" lvl="0" indent="0" algn="l" defTabSz="933450">
             <a:lnSpc>
               <a:spcPct val="100000"/>
             </a:lnSpc>
@@ -1633,41 +1840,58 @@
             <a:buNone/>
           </a:pPr>
           <a:r>
-            <a:rPr lang="en-US" sz="2700" kern="1200"/>
+            <a:rPr lang="en-US" sz="2100" kern="1200"/>
             <a:t>What could I be testing for?</a:t>
           </a:r>
-          <a:endParaRPr lang="en-US" sz="2700" kern="1200" dirty="0"/>
+          <a:endParaRPr lang="en-US" sz="2100" kern="1200" dirty="0"/>
         </a:p>
       </dsp:txBody>
       <dsp:txXfrm>
-        <a:off x="33926" y="1707054"/>
-        <a:ext cx="5781405" cy="627128"/>
+        <a:off x="429169" y="1806902"/>
+        <a:ext cx="5524176" cy="559396"/>
       </dsp:txXfrm>
     </dsp:sp>
-    <dsp:sp modelId="{E817BC41-566F-414D-A84D-C62283E55EF8}">
+    <dsp:sp modelId="{5E50086C-EEB3-4158-A980-BE7643E32F67}">
       <dsp:nvSpPr>
         <dsp:cNvPr id="0" name=""/>
         <dsp:cNvSpPr/>
       </dsp:nvSpPr>
       <dsp:spPr>
         <a:xfrm>
-          <a:off x="0" y="2368108"/>
-          <a:ext cx="5849257" cy="1844369"/>
+          <a:off x="0" y="4527535"/>
+          <a:ext cx="7978144" cy="1951425"/>
         </a:xfrm>
         <a:prstGeom prst="rect">
           <a:avLst/>
         </a:prstGeom>
-        <a:noFill/>
-        <a:ln>
-          <a:noFill/>
+        <a:solidFill>
+          <a:schemeClr val="lt1">
+            <a:alpha val="90000"/>
+            <a:hueOff val="0"/>
+            <a:satOff val="0"/>
+            <a:lumOff val="0"/>
+            <a:alphaOff val="0"/>
+          </a:schemeClr>
+        </a:solidFill>
+        <a:ln w="12700" cap="flat" cmpd="sng" algn="ctr">
+          <a:solidFill>
+            <a:schemeClr val="accent1">
+              <a:hueOff val="0"/>
+              <a:satOff val="0"/>
+              <a:lumOff val="0"/>
+              <a:alphaOff val="0"/>
+            </a:schemeClr>
+          </a:solidFill>
+          <a:prstDash val="solid"/>
+          <a:miter lim="800000"/>
         </a:ln>
         <a:effectLst/>
       </dsp:spPr>
       <dsp:style>
-        <a:lnRef idx="0">
+        <a:lnRef idx="2">
           <a:scrgbClr r="0" g="0" b="0"/>
         </a:lnRef>
-        <a:fillRef idx="0">
+        <a:fillRef idx="1">
           <a:scrgbClr r="0" g="0" b="0"/>
         </a:fillRef>
         <a:effectRef idx="0">
@@ -1676,7 +1900,7 @@
         <a:fontRef idx="minor"/>
       </dsp:style>
       <dsp:txBody>
-        <a:bodyPr spcFirstLastPara="0" vert="horz" wrap="square" lIns="185714" tIns="34290" rIns="192024" bIns="34290" numCol="1" spcCol="1270" anchor="t" anchorCtr="0">
+        <a:bodyPr spcFirstLastPara="0" vert="horz" wrap="square" lIns="619193" tIns="437388" rIns="619193" bIns="149352" numCol="1" spcCol="1270" anchor="t" anchorCtr="0">
           <a:noAutofit/>
         </a:bodyPr>
         <a:lstStyle/>
@@ -1689,15 +1913,14 @@
               <a:spcPct val="0"/>
             </a:spcBef>
             <a:spcAft>
-              <a:spcPct val="20000"/>
+              <a:spcPct val="15000"/>
             </a:spcAft>
             <a:buChar char="•"/>
           </a:pPr>
           <a:r>
-            <a:rPr lang="en-US" sz="2100" kern="1200"/>
-            <a:t>Critical Agent Installation and Configuration.</a:t>
+            <a:rPr lang="en-US" sz="2100" kern="1200" dirty="0"/>
+            <a:t>Anytime you make a major change (we test as part of monthly patching)</a:t>
           </a:r>
-          <a:endParaRPr lang="en-US" sz="2100" kern="1200" dirty="0"/>
         </a:p>
         <a:p>
           <a:pPr marL="228600" lvl="1" indent="-228600" algn="l" defTabSz="933450">
@@ -1708,58 +1931,30 @@
               <a:spcPct val="0"/>
             </a:spcBef>
             <a:spcAft>
-              <a:spcPct val="20000"/>
+              <a:spcPct val="15000"/>
             </a:spcAft>
             <a:buChar char="•"/>
           </a:pPr>
           <a:r>
-            <a:rPr lang="en-US" sz="2100" kern="1200"/>
-            <a:t>Specific policies you expect to be configured a certain way.</a:t>
+            <a:rPr lang="en-US" sz="2100" kern="1200" dirty="0"/>
+            <a:t>Regularly to ensure someone didn’t accidently muck with one of your policies!</a:t>
           </a:r>
-          <a:endParaRPr lang="en-US" sz="2100" kern="1200" dirty="0"/>
-        </a:p>
-        <a:p>
-          <a:pPr marL="228600" lvl="1" indent="-228600" algn="l" defTabSz="933450">
-            <a:lnSpc>
-              <a:spcPct val="100000"/>
-            </a:lnSpc>
-            <a:spcBef>
-              <a:spcPct val="0"/>
-            </a:spcBef>
-            <a:spcAft>
-              <a:spcPct val="20000"/>
-            </a:spcAft>
-            <a:buChar char="•"/>
-          </a:pPr>
-          <a:r>
-            <a:rPr lang="en-US" sz="2100" kern="1200"/>
-            <a:t>Did someone reinstall PowerShell v2?  SMBv1? Did an application disable your 3</a:t>
-          </a:r>
-          <a:r>
-            <a:rPr lang="en-US" sz="2100" kern="1200" baseline="30000"/>
-            <a:t>rd</a:t>
-          </a:r>
-          <a:r>
-            <a:rPr lang="en-US" sz="2100" kern="1200"/>
-            <a:t> party AV?</a:t>
-          </a:r>
-          <a:endParaRPr lang="en-US" sz="2100" kern="1200" dirty="0"/>
         </a:p>
       </dsp:txBody>
       <dsp:txXfrm>
-        <a:off x="0" y="2368108"/>
-        <a:ext cx="5849257" cy="1844369"/>
+        <a:off x="0" y="4527535"/>
+        <a:ext cx="7978144" cy="1951425"/>
       </dsp:txXfrm>
     </dsp:sp>
-    <dsp:sp modelId="{82706923-4E04-4AEE-8175-4405C5336D00}">
+    <dsp:sp modelId="{EE3D6AF1-F946-447E-B39A-4AC6978A7AF7}">
       <dsp:nvSpPr>
         <dsp:cNvPr id="0" name=""/>
         <dsp:cNvSpPr/>
       </dsp:nvSpPr>
       <dsp:spPr>
         <a:xfrm>
-          <a:off x="0" y="4212478"/>
-          <a:ext cx="5849257" cy="694980"/>
+          <a:off x="398907" y="4217575"/>
+          <a:ext cx="5584700" cy="619920"/>
         </a:xfrm>
         <a:prstGeom prst="roundRect">
           <a:avLst/>
@@ -1801,12 +1996,12 @@
         </a:fontRef>
       </dsp:style>
       <dsp:txBody>
-        <a:bodyPr spcFirstLastPara="0" vert="horz" wrap="square" lIns="102870" tIns="102870" rIns="102870" bIns="102870" numCol="1" spcCol="1270" anchor="ctr" anchorCtr="0">
+        <a:bodyPr spcFirstLastPara="0" vert="horz" wrap="square" lIns="211088" tIns="0" rIns="211088" bIns="0" numCol="1" spcCol="1270" anchor="ctr" anchorCtr="0">
           <a:noAutofit/>
         </a:bodyPr>
         <a:lstStyle/>
         <a:p>
-          <a:pPr marL="0" lvl="0" indent="0" algn="l" defTabSz="1200150">
+          <a:pPr marL="0" lvl="0" indent="0" algn="l" defTabSz="933450">
             <a:lnSpc>
               <a:spcPct val="100000"/>
             </a:lnSpc>
@@ -1819,94 +2014,15 @@
             <a:buNone/>
           </a:pPr>
           <a:r>
-            <a:rPr lang="en-US" sz="2700" kern="1200"/>
+            <a:rPr lang="en-US" sz="2100" kern="1200"/>
             <a:t>When should I test?</a:t>
           </a:r>
-          <a:endParaRPr lang="en-US" sz="2700" kern="1200" dirty="0"/>
+          <a:endParaRPr lang="en-US" sz="2100" kern="1200" dirty="0"/>
         </a:p>
       </dsp:txBody>
       <dsp:txXfrm>
-        <a:off x="33926" y="4246404"/>
-        <a:ext cx="5781405" cy="627128"/>
-      </dsp:txXfrm>
-    </dsp:sp>
-    <dsp:sp modelId="{894BC2EC-DD6E-4C63-B03D-1B335154DD9D}">
-      <dsp:nvSpPr>
-        <dsp:cNvPr id="0" name=""/>
-        <dsp:cNvSpPr/>
-      </dsp:nvSpPr>
-      <dsp:spPr>
-        <a:xfrm>
-          <a:off x="0" y="4907458"/>
-          <a:ext cx="5849257" cy="1453140"/>
-        </a:xfrm>
-        <a:prstGeom prst="rect">
-          <a:avLst/>
-        </a:prstGeom>
-        <a:noFill/>
-        <a:ln>
-          <a:noFill/>
-        </a:ln>
-        <a:effectLst/>
-      </dsp:spPr>
-      <dsp:style>
-        <a:lnRef idx="0">
-          <a:scrgbClr r="0" g="0" b="0"/>
-        </a:lnRef>
-        <a:fillRef idx="0">
-          <a:scrgbClr r="0" g="0" b="0"/>
-        </a:fillRef>
-        <a:effectRef idx="0">
-          <a:scrgbClr r="0" g="0" b="0"/>
-        </a:effectRef>
-        <a:fontRef idx="minor"/>
-      </dsp:style>
-      <dsp:txBody>
-        <a:bodyPr spcFirstLastPara="0" vert="horz" wrap="square" lIns="185714" tIns="34290" rIns="192024" bIns="34290" numCol="1" spcCol="1270" anchor="t" anchorCtr="0">
-          <a:noAutofit/>
-        </a:bodyPr>
-        <a:lstStyle/>
-        <a:p>
-          <a:pPr marL="228600" lvl="1" indent="-228600" algn="l" defTabSz="933450">
-            <a:lnSpc>
-              <a:spcPct val="100000"/>
-            </a:lnSpc>
-            <a:spcBef>
-              <a:spcPct val="0"/>
-            </a:spcBef>
-            <a:spcAft>
-              <a:spcPct val="20000"/>
-            </a:spcAft>
-            <a:buChar char="•"/>
-          </a:pPr>
-          <a:r>
-            <a:rPr lang="en-US" sz="2100" kern="1200"/>
-            <a:t>Anytime you make a major change (we test as part of monthly patching)</a:t>
-          </a:r>
-          <a:endParaRPr lang="en-US" sz="2100" kern="1200" dirty="0"/>
-        </a:p>
-        <a:p>
-          <a:pPr marL="228600" lvl="1" indent="-228600" algn="l" defTabSz="933450">
-            <a:lnSpc>
-              <a:spcPct val="100000"/>
-            </a:lnSpc>
-            <a:spcBef>
-              <a:spcPct val="0"/>
-            </a:spcBef>
-            <a:spcAft>
-              <a:spcPct val="20000"/>
-            </a:spcAft>
-            <a:buChar char="•"/>
-          </a:pPr>
-          <a:r>
-            <a:rPr lang="en-US" sz="2100" kern="1200" dirty="0"/>
-            <a:t>Regularly to ensure someone didn’t accidently muck with one of your policies!</a:t>
-          </a:r>
-        </a:p>
-      </dsp:txBody>
-      <dsp:txXfrm>
-        <a:off x="0" y="4907458"/>
-        <a:ext cx="5849257" cy="1453140"/>
+        <a:off x="429169" y="4247837"/>
+        <a:ext cx="5524176" cy="559396"/>
       </dsp:txXfrm>
     </dsp:sp>
   </dsp:spTree>
@@ -1914,12 +2030,11 @@
 </file>
 
 <file path=ppt/diagrams/layout1.xml><?xml version="1.0" encoding="utf-8"?>
-<dgm:layoutDef xmlns:dgm="http://schemas.openxmlformats.org/drawingml/2006/diagram" xmlns:a="http://schemas.openxmlformats.org/drawingml/2006/main" uniqueId="urn:microsoft.com/office/officeart/2005/8/layout/vList2">
+<dgm:layoutDef xmlns:dgm="http://schemas.openxmlformats.org/drawingml/2006/diagram" xmlns:a="http://schemas.openxmlformats.org/drawingml/2006/main" uniqueId="urn:microsoft.com/office/officeart/2005/8/layout/list1">
   <dgm:title val=""/>
   <dgm:desc val=""/>
   <dgm:catLst>
-    <dgm:cat type="list" pri="3000"/>
-    <dgm:cat type="convert" pri="1000"/>
+    <dgm:cat type="list" pri="4000"/>
   </dgm:catLst>
   <dgm:sampData>
     <dgm:dataModel>
@@ -1928,21 +2043,17 @@
         <dgm:pt modelId="1">
           <dgm:prSet phldr="1"/>
         </dgm:pt>
-        <dgm:pt modelId="11">
-          <dgm:prSet phldr="1"/>
-        </dgm:pt>
         <dgm:pt modelId="2">
           <dgm:prSet phldr="1"/>
         </dgm:pt>
-        <dgm:pt modelId="21">
+        <dgm:pt modelId="3">
           <dgm:prSet phldr="1"/>
         </dgm:pt>
       </dgm:ptLst>
       <dgm:cxnLst>
         <dgm:cxn modelId="4" srcId="0" destId="1" srcOrd="0" destOrd="0"/>
         <dgm:cxn modelId="5" srcId="0" destId="2" srcOrd="1" destOrd="0"/>
-        <dgm:cxn modelId="12" srcId="1" destId="11" srcOrd="0" destOrd="0"/>
-        <dgm:cxn modelId="23" srcId="2" destId="21" srcOrd="0" destOrd="0"/>
+        <dgm:cxn modelId="6" srcId="0" destId="3" srcOrd="2" destOrd="0"/>
       </dgm:cxnLst>
       <dgm:bg/>
       <dgm:whole/>
@@ -1956,8 +2067,8 @@
         <dgm:pt modelId="2"/>
       </dgm:ptLst>
       <dgm:cxnLst>
-        <dgm:cxn modelId="3" srcId="0" destId="1" srcOrd="0" destOrd="0"/>
-        <dgm:cxn modelId="4" srcId="0" destId="2" srcOrd="1" destOrd="0"/>
+        <dgm:cxn modelId="4" srcId="0" destId="1" srcOrd="0" destOrd="0"/>
+        <dgm:cxn modelId="5" srcId="0" destId="2" srcOrd="1" destOrd="0"/>
       </dgm:cxnLst>
       <dgm:bg/>
       <dgm:whole/>
@@ -1984,97 +2095,160 @@
   </dgm:clrData>
   <dgm:layoutNode name="linear">
     <dgm:varLst>
+      <dgm:dir/>
       <dgm:animLvl val="lvl"/>
       <dgm:resizeHandles val="exact"/>
     </dgm:varLst>
-    <dgm:alg type="lin">
-      <dgm:param type="linDir" val="fromT"/>
-      <dgm:param type="vertAlign" val="mid"/>
-    </dgm:alg>
+    <dgm:choose name="Name0">
+      <dgm:if name="Name1" func="var" arg="dir" op="equ" val="norm">
+        <dgm:alg type="lin">
+          <dgm:param type="linDir" val="fromT"/>
+          <dgm:param type="vertAlign" val="mid"/>
+          <dgm:param type="horzAlign" val="l"/>
+          <dgm:param type="nodeHorzAlign" val="l"/>
+        </dgm:alg>
+      </dgm:if>
+      <dgm:else name="Name2">
+        <dgm:alg type="lin">
+          <dgm:param type="linDir" val="fromT"/>
+          <dgm:param type="vertAlign" val="mid"/>
+          <dgm:param type="horzAlign" val="r"/>
+          <dgm:param type="nodeHorzAlign" val="r"/>
+        </dgm:alg>
+      </dgm:else>
+    </dgm:choose>
     <dgm:shape xmlns:r="http://schemas.openxmlformats.org/officeDocument/2006/relationships" r:blip="">
       <dgm:adjLst/>
     </dgm:shape>
     <dgm:presOf/>
     <dgm:constrLst>
-      <dgm:constr type="w" for="ch" forName="parentText" refType="w"/>
-      <dgm:constr type="h" for="ch" forName="parentText" refType="primFontSz" refFor="ch" refForName="parentText" fact="0.52"/>
+      <dgm:constr type="w" for="ch" forName="parentLin" refType="w"/>
+      <dgm:constr type="h" for="ch" forName="parentLin" val="INF"/>
+      <dgm:constr type="w" for="des" forName="parentLeftMargin" refType="w" fact="0.05"/>
+      <dgm:constr type="w" for="des" forName="parentText" refType="w" fact="0.7"/>
+      <dgm:constr type="h" for="des" forName="parentText" refType="primFontSz" refFor="des" refForName="parentText" fact="0.82"/>
+      <dgm:constr type="h" for="ch" forName="negativeSpace" refType="primFontSz" refFor="des" refForName="parentText" fact="-0.41"/>
+      <dgm:constr type="h" for="ch" forName="negativeSpace" refType="h" refFor="des" refForName="parentText" op="lte" fact="-0.82"/>
+      <dgm:constr type="h" for="ch" forName="negativeSpace" refType="h" refFor="des" refForName="parentText" op="gte" fact="-0.82"/>
       <dgm:constr type="w" for="ch" forName="childText" refType="w"/>
-      <dgm:constr type="h" for="ch" forName="childText" refType="primFontSz" refFor="ch" refForName="parentText" fact="0.46"/>
-      <dgm:constr type="h" for="ch" forName="parentText" op="equ"/>
-      <dgm:constr type="primFontSz" for="ch" forName="parentText" op="equ" val="65"/>
-      <dgm:constr type="primFontSz" for="ch" forName="childText" refType="primFontSz" refFor="ch" refForName="parentText" op="equ"/>
-      <dgm:constr type="h" for="ch" forName="spacer" refType="primFontSz" refFor="ch" refForName="parentText" fact="0.08"/>
+      <dgm:constr type="h" for="ch" forName="childText" refType="primFontSz" refFor="des" refForName="parentText" fact="0.7"/>
+      <dgm:constr type="primFontSz" for="des" forName="parentText" val="65"/>
+      <dgm:constr type="primFontSz" for="ch" forName="childText" refType="primFontSz" refFor="des" refForName="parentText"/>
+      <dgm:constr type="tMarg" for="ch" forName="childText" refType="primFontSz" refFor="des" refForName="parentText" fact="1.64"/>
+      <dgm:constr type="tMarg" for="ch" forName="childText" refType="h" refFor="des" refForName="parentText" op="lte" fact="3.28"/>
+      <dgm:constr type="tMarg" for="ch" forName="childText" refType="h" refFor="des" refForName="parentText" op="gte" fact="3.28"/>
+      <dgm:constr type="lMarg" for="ch" forName="childText" refType="w" fact="0.22"/>
+      <dgm:constr type="rMarg" for="ch" forName="childText" refType="lMarg" refFor="ch" refForName="childText"/>
+      <dgm:constr type="lMarg" for="des" forName="parentText" refType="w" fact="0.075"/>
+      <dgm:constr type="rMarg" for="des" forName="parentText" refType="lMarg" refFor="des" refForName="parentText"/>
+      <dgm:constr type="h" for="ch" forName="spaceBetweenRectangles" refType="primFontSz" refFor="des" refForName="parentText" fact="0.15"/>
     </dgm:constrLst>
     <dgm:ruleLst>
-      <dgm:rule type="primFontSz" for="ch" forName="parentText" val="5" fact="NaN" max="NaN"/>
+      <dgm:rule type="primFontSz" for="des" forName="parentText" val="5" fact="NaN" max="NaN"/>
     </dgm:ruleLst>
-    <dgm:forEach name="Name0" axis="ch" ptType="node">
-      <dgm:layoutNode name="parentText" styleLbl="node1">
+    <dgm:forEach name="Name3" axis="ch" ptType="node">
+      <dgm:layoutNode name="parentLin">
+        <dgm:choose name="Name4">
+          <dgm:if name="Name5" func="var" arg="dir" op="equ" val="norm">
+            <dgm:alg type="lin">
+              <dgm:param type="linDir" val="fromL"/>
+              <dgm:param type="horzAlign" val="l"/>
+              <dgm:param type="nodeHorzAlign" val="l"/>
+            </dgm:alg>
+          </dgm:if>
+          <dgm:else name="Name6">
+            <dgm:alg type="lin">
+              <dgm:param type="linDir" val="fromR"/>
+              <dgm:param type="horzAlign" val="r"/>
+              <dgm:param type="nodeHorzAlign" val="r"/>
+            </dgm:alg>
+          </dgm:else>
+        </dgm:choose>
+        <dgm:shape xmlns:r="http://schemas.openxmlformats.org/officeDocument/2006/relationships" r:blip="">
+          <dgm:adjLst/>
+        </dgm:shape>
+        <dgm:presOf/>
+        <dgm:constrLst/>
+        <dgm:ruleLst/>
+        <dgm:layoutNode name="parentLeftMargin">
+          <dgm:alg type="sp"/>
+          <dgm:shape xmlns:r="http://schemas.openxmlformats.org/officeDocument/2006/relationships" type="rect" r:blip="" hideGeom="1">
+            <dgm:adjLst/>
+          </dgm:shape>
+          <dgm:presOf axis="self"/>
+          <dgm:constrLst>
+            <dgm:constr type="h"/>
+          </dgm:constrLst>
+          <dgm:ruleLst/>
+        </dgm:layoutNode>
+        <dgm:layoutNode name="parentText" styleLbl="node1">
+          <dgm:varLst>
+            <dgm:chMax val="0"/>
+            <dgm:bulletEnabled val="1"/>
+          </dgm:varLst>
+          <dgm:choose name="Name7">
+            <dgm:if name="Name8" func="var" arg="dir" op="equ" val="norm">
+              <dgm:alg type="tx">
+                <dgm:param type="parTxLTRAlign" val="l"/>
+                <dgm:param type="parTxRTLAlign" val="l"/>
+              </dgm:alg>
+            </dgm:if>
+            <dgm:else name="Name9">
+              <dgm:alg type="tx">
+                <dgm:param type="parTxLTRAlign" val="r"/>
+                <dgm:param type="parTxRTLAlign" val="r"/>
+              </dgm:alg>
+            </dgm:else>
+          </dgm:choose>
+          <dgm:shape xmlns:r="http://schemas.openxmlformats.org/officeDocument/2006/relationships" type="roundRect" r:blip="">
+            <dgm:adjLst/>
+          </dgm:shape>
+          <dgm:presOf axis="self" ptType="node"/>
+          <dgm:constrLst>
+            <dgm:constr type="tMarg"/>
+            <dgm:constr type="bMarg"/>
+          </dgm:constrLst>
+          <dgm:ruleLst/>
+        </dgm:layoutNode>
+      </dgm:layoutNode>
+      <dgm:layoutNode name="negativeSpace">
+        <dgm:alg type="sp"/>
+        <dgm:shape xmlns:r="http://schemas.openxmlformats.org/officeDocument/2006/relationships" r:blip="">
+          <dgm:adjLst/>
+        </dgm:shape>
+        <dgm:presOf/>
+        <dgm:constrLst/>
+        <dgm:ruleLst/>
+      </dgm:layoutNode>
+      <dgm:layoutNode name="childText" styleLbl="conFgAcc1">
         <dgm:varLst>
-          <dgm:chMax val="0"/>
           <dgm:bulletEnabled val="1"/>
         </dgm:varLst>
         <dgm:alg type="tx">
-          <dgm:param type="parTxLTRAlign" val="l"/>
-          <dgm:param type="parTxRTLAlign" val="r"/>
+          <dgm:param type="stBulletLvl" val="1"/>
         </dgm:alg>
-        <dgm:shape xmlns:r="http://schemas.openxmlformats.org/officeDocument/2006/relationships" type="roundRect" r:blip="">
+        <dgm:shape xmlns:r="http://schemas.openxmlformats.org/officeDocument/2006/relationships" type="rect" r:blip="" zOrderOff="-2">
           <dgm:adjLst/>
         </dgm:shape>
-        <dgm:presOf axis="self"/>
+        <dgm:presOf axis="des" ptType="node"/>
         <dgm:constrLst>
-          <dgm:constr type="tMarg" refType="primFontSz" fact="0.3"/>
-          <dgm:constr type="bMarg" refType="primFontSz" fact="0.3"/>
-          <dgm:constr type="lMarg" refType="primFontSz" fact="0.3"/>
-          <dgm:constr type="rMarg" refType="primFontSz" fact="0.3"/>
+          <dgm:constr type="secFontSz" refType="primFontSz"/>
         </dgm:constrLst>
         <dgm:ruleLst>
           <dgm:rule type="h" val="INF" fact="NaN" max="NaN"/>
         </dgm:ruleLst>
       </dgm:layoutNode>
-      <dgm:choose name="Name1">
-        <dgm:if name="Name2" axis="ch" ptType="node" func="cnt" op="gte" val="1">
-          <dgm:layoutNode name="childText" styleLbl="revTx">
-            <dgm:varLst>
-              <dgm:bulletEnabled val="1"/>
-            </dgm:varLst>
-            <dgm:alg type="tx">
-              <dgm:param type="stBulletLvl" val="1"/>
-              <dgm:param type="lnSpAfChP" val="20"/>
-            </dgm:alg>
-            <dgm:shape xmlns:r="http://schemas.openxmlformats.org/officeDocument/2006/relationships" type="rect" r:blip="">
-              <dgm:adjLst/>
-            </dgm:shape>
-            <dgm:presOf axis="des" ptType="node"/>
-            <dgm:constrLst>
-              <dgm:constr type="tMarg" refType="primFontSz" fact="0.1"/>
-              <dgm:constr type="bMarg" refType="primFontSz" fact="0.1"/>
-              <dgm:constr type="lMarg" refType="w" fact="0.09"/>
-            </dgm:constrLst>
-            <dgm:ruleLst>
-              <dgm:rule type="h" val="INF" fact="NaN" max="NaN"/>
-            </dgm:ruleLst>
-          </dgm:layoutNode>
-        </dgm:if>
-        <dgm:else name="Name3">
-          <dgm:choose name="Name4">
-            <dgm:if name="Name5" axis="par ch" ptType="doc node" func="cnt" op="gte" val="2">
-              <dgm:forEach name="Name6" axis="followSib" ptType="sibTrans" cnt="1">
-                <dgm:layoutNode name="spacer">
-                  <dgm:alg type="sp"/>
-                  <dgm:shape xmlns:r="http://schemas.openxmlformats.org/officeDocument/2006/relationships" r:blip="">
-                    <dgm:adjLst/>
-                  </dgm:shape>
-                  <dgm:presOf/>
-                  <dgm:constrLst/>
-                  <dgm:ruleLst/>
-                </dgm:layoutNode>
-              </dgm:forEach>
-            </dgm:if>
-            <dgm:else name="Name7"/>
-          </dgm:choose>
-        </dgm:else>
-      </dgm:choose>
+      <dgm:forEach name="Name10" axis="followSib" ptType="sibTrans" cnt="1">
+        <dgm:layoutNode name="spaceBetweenRectangles">
+          <dgm:alg type="sp"/>
+          <dgm:shape xmlns:r="http://schemas.openxmlformats.org/officeDocument/2006/relationships" r:blip="">
+            <dgm:adjLst/>
+          </dgm:shape>
+          <dgm:presOf/>
+          <dgm:constrLst/>
+          <dgm:ruleLst/>
+        </dgm:layoutNode>
+      </dgm:forEach>
     </dgm:forEach>
   </dgm:layoutNode>
 </dgm:layoutDef>
@@ -3112,6 +3286,355 @@
     </dgm:style>
   </dgm:styleLbl>
 </dgm:styleDef>
+</file>
+
+<file path=ppt/notesMasters/notesMaster1.xml><?xml version="1.0" encoding="utf-8"?>
+<p:notesMaster xmlns:a="http://schemas.openxmlformats.org/drawingml/2006/main" xmlns:r="http://schemas.openxmlformats.org/officeDocument/2006/relationships" xmlns:p="http://schemas.openxmlformats.org/presentationml/2006/main">
+  <p:cSld>
+    <p:bg>
+      <p:bgRef idx="1001">
+        <a:schemeClr val="bg1"/>
+      </p:bgRef>
+    </p:bg>
+    <p:spTree>
+      <p:nvGrpSpPr>
+        <p:cNvPr id="1" name=""/>
+        <p:cNvGrpSpPr/>
+        <p:nvPr/>
+      </p:nvGrpSpPr>
+      <p:grpSpPr>
+        <a:xfrm>
+          <a:off x="0" y="0"/>
+          <a:ext cx="0" cy="0"/>
+          <a:chOff x="0" y="0"/>
+          <a:chExt cx="0" cy="0"/>
+        </a:xfrm>
+      </p:grpSpPr>
+      <p:sp>
+        <p:nvSpPr>
+          <p:cNvPr id="2" name="Header Placeholder 1"/>
+          <p:cNvSpPr>
+            <a:spLocks noGrp="1"/>
+          </p:cNvSpPr>
+          <p:nvPr>
+            <p:ph type="hdr" sz="quarter"/>
+          </p:nvPr>
+        </p:nvSpPr>
+        <p:spPr>
+          <a:xfrm>
+            <a:off x="0" y="0"/>
+            <a:ext cx="2971800" cy="458788"/>
+          </a:xfrm>
+          <a:prstGeom prst="rect">
+            <a:avLst/>
+          </a:prstGeom>
+        </p:spPr>
+        <p:txBody>
+          <a:bodyPr vert="horz" lIns="91440" tIns="45720" rIns="91440" bIns="45720" rtlCol="0"/>
+          <a:lstStyle>
+            <a:lvl1pPr algn="l">
+              <a:defRPr sz="1200"/>
+            </a:lvl1pPr>
+          </a:lstStyle>
+          <a:p>
+            <a:endParaRPr lang="en-US"/>
+          </a:p>
+        </p:txBody>
+      </p:sp>
+      <p:sp>
+        <p:nvSpPr>
+          <p:cNvPr id="3" name="Date Placeholder 2"/>
+          <p:cNvSpPr>
+            <a:spLocks noGrp="1"/>
+          </p:cNvSpPr>
+          <p:nvPr>
+            <p:ph type="dt" idx="1"/>
+          </p:nvPr>
+        </p:nvSpPr>
+        <p:spPr>
+          <a:xfrm>
+            <a:off x="3884613" y="0"/>
+            <a:ext cx="2971800" cy="458788"/>
+          </a:xfrm>
+          <a:prstGeom prst="rect">
+            <a:avLst/>
+          </a:prstGeom>
+        </p:spPr>
+        <p:txBody>
+          <a:bodyPr vert="horz" lIns="91440" tIns="45720" rIns="91440" bIns="45720" rtlCol="0"/>
+          <a:lstStyle>
+            <a:lvl1pPr algn="r">
+              <a:defRPr sz="1200"/>
+            </a:lvl1pPr>
+          </a:lstStyle>
+          <a:p>
+            <a:fld id="{7F838E59-283E-474A-AB0D-3113D80E9005}" type="datetimeFigureOut">
+              <a:rPr lang="en-US" smtClean="0"/>
+              <a:t>5/3/2023</a:t>
+            </a:fld>
+            <a:endParaRPr lang="en-US"/>
+          </a:p>
+        </p:txBody>
+      </p:sp>
+      <p:sp>
+        <p:nvSpPr>
+          <p:cNvPr id="4" name="Slide Image Placeholder 3"/>
+          <p:cNvSpPr>
+            <a:spLocks noGrp="1" noRot="1" noChangeAspect="1"/>
+          </p:cNvSpPr>
+          <p:nvPr>
+            <p:ph type="sldImg" idx="2"/>
+          </p:nvPr>
+        </p:nvSpPr>
+        <p:spPr>
+          <a:xfrm>
+            <a:off x="685800" y="1143000"/>
+            <a:ext cx="5486400" cy="3086100"/>
+          </a:xfrm>
+          <a:prstGeom prst="rect">
+            <a:avLst/>
+          </a:prstGeom>
+          <a:noFill/>
+          <a:ln w="12700">
+            <a:solidFill>
+              <a:prstClr val="black"/>
+            </a:solidFill>
+          </a:ln>
+        </p:spPr>
+        <p:txBody>
+          <a:bodyPr vert="horz" lIns="91440" tIns="45720" rIns="91440" bIns="45720" rtlCol="0" anchor="ctr"/>
+          <a:lstStyle/>
+          <a:p>
+            <a:endParaRPr lang="en-US"/>
+          </a:p>
+        </p:txBody>
+      </p:sp>
+      <p:sp>
+        <p:nvSpPr>
+          <p:cNvPr id="5" name="Notes Placeholder 4"/>
+          <p:cNvSpPr>
+            <a:spLocks noGrp="1"/>
+          </p:cNvSpPr>
+          <p:nvPr>
+            <p:ph type="body" sz="quarter" idx="3"/>
+          </p:nvPr>
+        </p:nvSpPr>
+        <p:spPr>
+          <a:xfrm>
+            <a:off x="685800" y="4400550"/>
+            <a:ext cx="5486400" cy="3600450"/>
+          </a:xfrm>
+          <a:prstGeom prst="rect">
+            <a:avLst/>
+          </a:prstGeom>
+        </p:spPr>
+        <p:txBody>
+          <a:bodyPr vert="horz" lIns="91440" tIns="45720" rIns="91440" bIns="45720" rtlCol="0"/>
+          <a:lstStyle/>
+          <a:p>
+            <a:pPr lvl="0"/>
+            <a:r>
+              <a:rPr lang="en-US"/>
+              <a:t>Click to edit Master text styles</a:t>
+            </a:r>
+          </a:p>
+          <a:p>
+            <a:pPr lvl="1"/>
+            <a:r>
+              <a:rPr lang="en-US"/>
+              <a:t>Second level</a:t>
+            </a:r>
+          </a:p>
+          <a:p>
+            <a:pPr lvl="2"/>
+            <a:r>
+              <a:rPr lang="en-US"/>
+              <a:t>Third level</a:t>
+            </a:r>
+          </a:p>
+          <a:p>
+            <a:pPr lvl="3"/>
+            <a:r>
+              <a:rPr lang="en-US"/>
+              <a:t>Fourth level</a:t>
+            </a:r>
+          </a:p>
+          <a:p>
+            <a:pPr lvl="4"/>
+            <a:r>
+              <a:rPr lang="en-US"/>
+              <a:t>Fifth level</a:t>
+            </a:r>
+          </a:p>
+        </p:txBody>
+      </p:sp>
+      <p:sp>
+        <p:nvSpPr>
+          <p:cNvPr id="6" name="Footer Placeholder 5"/>
+          <p:cNvSpPr>
+            <a:spLocks noGrp="1"/>
+          </p:cNvSpPr>
+          <p:nvPr>
+            <p:ph type="ftr" sz="quarter" idx="4"/>
+          </p:nvPr>
+        </p:nvSpPr>
+        <p:spPr>
+          <a:xfrm>
+            <a:off x="0" y="8685213"/>
+            <a:ext cx="2971800" cy="458787"/>
+          </a:xfrm>
+          <a:prstGeom prst="rect">
+            <a:avLst/>
+          </a:prstGeom>
+        </p:spPr>
+        <p:txBody>
+          <a:bodyPr vert="horz" lIns="91440" tIns="45720" rIns="91440" bIns="45720" rtlCol="0" anchor="b"/>
+          <a:lstStyle>
+            <a:lvl1pPr algn="l">
+              <a:defRPr sz="1200"/>
+            </a:lvl1pPr>
+          </a:lstStyle>
+          <a:p>
+            <a:endParaRPr lang="en-US"/>
+          </a:p>
+        </p:txBody>
+      </p:sp>
+      <p:sp>
+        <p:nvSpPr>
+          <p:cNvPr id="7" name="Slide Number Placeholder 6"/>
+          <p:cNvSpPr>
+            <a:spLocks noGrp="1"/>
+          </p:cNvSpPr>
+          <p:nvPr>
+            <p:ph type="sldNum" sz="quarter" idx="5"/>
+          </p:nvPr>
+        </p:nvSpPr>
+        <p:spPr>
+          <a:xfrm>
+            <a:off x="3884613" y="8685213"/>
+            <a:ext cx="2971800" cy="458787"/>
+          </a:xfrm>
+          <a:prstGeom prst="rect">
+            <a:avLst/>
+          </a:prstGeom>
+        </p:spPr>
+        <p:txBody>
+          <a:bodyPr vert="horz" lIns="91440" tIns="45720" rIns="91440" bIns="45720" rtlCol="0" anchor="b"/>
+          <a:lstStyle>
+            <a:lvl1pPr algn="r">
+              <a:defRPr sz="1200"/>
+            </a:lvl1pPr>
+          </a:lstStyle>
+          <a:p>
+            <a:fld id="{1482AEA7-59CC-4164-8646-5997A2E06512}" type="slidenum">
+              <a:rPr lang="en-US" smtClean="0"/>
+              <a:t>‹#›</a:t>
+            </a:fld>
+            <a:endParaRPr lang="en-US"/>
+          </a:p>
+        </p:txBody>
+      </p:sp>
+    </p:spTree>
+    <p:extLst>
+      <p:ext uri="{BB962C8B-B14F-4D97-AF65-F5344CB8AC3E}">
+        <p14:creationId xmlns:p14="http://schemas.microsoft.com/office/powerpoint/2010/main" val="1470015416"/>
+      </p:ext>
+    </p:extLst>
+  </p:cSld>
+  <p:clrMap bg1="lt1" tx1="dk1" bg2="lt2" tx2="dk2" accent1="accent1" accent2="accent2" accent3="accent3" accent4="accent4" accent5="accent5" accent6="accent6" hlink="hlink" folHlink="folHlink"/>
+  <p:notesStyle>
+    <a:lvl1pPr marL="0" algn="l" defTabSz="914400" rtl="0" eaLnBrk="1" latinLnBrk="0" hangingPunct="1">
+      <a:defRPr sz="1200" kern="1200">
+        <a:solidFill>
+          <a:schemeClr val="tx1"/>
+        </a:solidFill>
+        <a:latin typeface="+mn-lt"/>
+        <a:ea typeface="+mn-ea"/>
+        <a:cs typeface="+mn-cs"/>
+      </a:defRPr>
+    </a:lvl1pPr>
+    <a:lvl2pPr marL="457200" algn="l" defTabSz="914400" rtl="0" eaLnBrk="1" latinLnBrk="0" hangingPunct="1">
+      <a:defRPr sz="1200" kern="1200">
+        <a:solidFill>
+          <a:schemeClr val="tx1"/>
+        </a:solidFill>
+        <a:latin typeface="+mn-lt"/>
+        <a:ea typeface="+mn-ea"/>
+        <a:cs typeface="+mn-cs"/>
+      </a:defRPr>
+    </a:lvl2pPr>
+    <a:lvl3pPr marL="914400" algn="l" defTabSz="914400" rtl="0" eaLnBrk="1" latinLnBrk="0" hangingPunct="1">
+      <a:defRPr sz="1200" kern="1200">
+        <a:solidFill>
+          <a:schemeClr val="tx1"/>
+        </a:solidFill>
+        <a:latin typeface="+mn-lt"/>
+        <a:ea typeface="+mn-ea"/>
+        <a:cs typeface="+mn-cs"/>
+      </a:defRPr>
+    </a:lvl3pPr>
+    <a:lvl4pPr marL="1371600" algn="l" defTabSz="914400" rtl="0" eaLnBrk="1" latinLnBrk="0" hangingPunct="1">
+      <a:defRPr sz="1200" kern="1200">
+        <a:solidFill>
+          <a:schemeClr val="tx1"/>
+        </a:solidFill>
+        <a:latin typeface="+mn-lt"/>
+        <a:ea typeface="+mn-ea"/>
+        <a:cs typeface="+mn-cs"/>
+      </a:defRPr>
+    </a:lvl4pPr>
+    <a:lvl5pPr marL="1828800" algn="l" defTabSz="914400" rtl="0" eaLnBrk="1" latinLnBrk="0" hangingPunct="1">
+      <a:defRPr sz="1200" kern="1200">
+        <a:solidFill>
+          <a:schemeClr val="tx1"/>
+        </a:solidFill>
+        <a:latin typeface="+mn-lt"/>
+        <a:ea typeface="+mn-ea"/>
+        <a:cs typeface="+mn-cs"/>
+      </a:defRPr>
+    </a:lvl5pPr>
+    <a:lvl6pPr marL="2286000" algn="l" defTabSz="914400" rtl="0" eaLnBrk="1" latinLnBrk="0" hangingPunct="1">
+      <a:defRPr sz="1200" kern="1200">
+        <a:solidFill>
+          <a:schemeClr val="tx1"/>
+        </a:solidFill>
+        <a:latin typeface="+mn-lt"/>
+        <a:ea typeface="+mn-ea"/>
+        <a:cs typeface="+mn-cs"/>
+      </a:defRPr>
+    </a:lvl6pPr>
+    <a:lvl7pPr marL="2743200" algn="l" defTabSz="914400" rtl="0" eaLnBrk="1" latinLnBrk="0" hangingPunct="1">
+      <a:defRPr sz="1200" kern="1200">
+        <a:solidFill>
+          <a:schemeClr val="tx1"/>
+        </a:solidFill>
+        <a:latin typeface="+mn-lt"/>
+        <a:ea typeface="+mn-ea"/>
+        <a:cs typeface="+mn-cs"/>
+      </a:defRPr>
+    </a:lvl7pPr>
+    <a:lvl8pPr marL="3200400" algn="l" defTabSz="914400" rtl="0" eaLnBrk="1" latinLnBrk="0" hangingPunct="1">
+      <a:defRPr sz="1200" kern="1200">
+        <a:solidFill>
+          <a:schemeClr val="tx1"/>
+        </a:solidFill>
+        <a:latin typeface="+mn-lt"/>
+        <a:ea typeface="+mn-ea"/>
+        <a:cs typeface="+mn-cs"/>
+      </a:defRPr>
+    </a:lvl8pPr>
+    <a:lvl9pPr marL="3657600" algn="l" defTabSz="914400" rtl="0" eaLnBrk="1" latinLnBrk="0" hangingPunct="1">
+      <a:defRPr sz="1200" kern="1200">
+        <a:solidFill>
+          <a:schemeClr val="tx1"/>
+        </a:solidFill>
+        <a:latin typeface="+mn-lt"/>
+        <a:ea typeface="+mn-ea"/>
+        <a:cs typeface="+mn-cs"/>
+      </a:defRPr>
+    </a:lvl9pPr>
+  </p:notesStyle>
+</p:notesMaster>
 </file>
 
 <file path=ppt/slideLayouts/slideLayout1.xml><?xml version="1.0" encoding="utf-8"?>
@@ -17515,14 +18038,14 @@
           <p:nvPr>
             <p:extLst>
               <p:ext uri="{D42A27DB-BD31-4B8C-83A1-F6EECF244321}">
-                <p14:modId xmlns:p14="http://schemas.microsoft.com/office/powerpoint/2010/main" val="1272567236"/>
+                <p14:modId xmlns:p14="http://schemas.microsoft.com/office/powerpoint/2010/main" val="1235953676"/>
               </p:ext>
             </p:extLst>
           </p:nvPr>
         </p:nvGraphicFramePr>
         <p:xfrm>
           <a:off x="246743" y="177799"/>
-          <a:ext cx="5849257" cy="6542315"/>
+          <a:ext cx="7978144" cy="6542315"/>
         </p:xfrm>
         <a:graphic>
           <a:graphicData uri="http://schemas.openxmlformats.org/drawingml/2006/diagram">
@@ -17530,6 +18053,83 @@
           </a:graphicData>
         </a:graphic>
       </p:graphicFrame>
+      <p:pic>
+        <p:nvPicPr>
+          <p:cNvPr id="3" name="Picture 2" descr="Sample Code">
+            <a:extLst>
+              <a:ext uri="{FF2B5EF4-FFF2-40B4-BE49-F238E27FC236}">
+                <a16:creationId xmlns:a16="http://schemas.microsoft.com/office/drawing/2014/main" id="{03B39C98-4562-9C33-98DA-FABAFEF6F1B1}"/>
+              </a:ext>
+            </a:extLst>
+          </p:cNvPr>
+          <p:cNvPicPr>
+            <a:picLocks noChangeAspect="1"/>
+          </p:cNvPicPr>
+          <p:nvPr/>
+        </p:nvPicPr>
+        <p:blipFill>
+          <a:blip r:embed="rId7">
+            <a:extLst>
+              <a:ext uri="{28A0092B-C50C-407E-A947-70E740481C1C}">
+                <a14:useLocalDpi xmlns:a14="http://schemas.microsoft.com/office/drawing/2010/main" val="0"/>
+              </a:ext>
+            </a:extLst>
+          </a:blip>
+          <a:stretch>
+            <a:fillRect/>
+          </a:stretch>
+        </p:blipFill>
+        <p:spPr>
+          <a:xfrm>
+            <a:off x="8606268" y="177799"/>
+            <a:ext cx="3307896" cy="3307896"/>
+          </a:xfrm>
+          <a:prstGeom prst="rect">
+            <a:avLst/>
+          </a:prstGeom>
+        </p:spPr>
+      </p:pic>
+      <p:sp>
+        <p:nvSpPr>
+          <p:cNvPr id="4" name="TextBox 3">
+            <a:extLst>
+              <a:ext uri="{FF2B5EF4-FFF2-40B4-BE49-F238E27FC236}">
+                <a16:creationId xmlns:a16="http://schemas.microsoft.com/office/drawing/2014/main" id="{9175E168-B621-1240-76CD-C7BCCEA2C4F6}"/>
+              </a:ext>
+            </a:extLst>
+          </p:cNvPr>
+          <p:cNvSpPr txBox="1"/>
+          <p:nvPr/>
+        </p:nvSpPr>
+        <p:spPr>
+          <a:xfrm>
+            <a:off x="8821918" y="3224085"/>
+            <a:ext cx="3370082" cy="523220"/>
+          </a:xfrm>
+          <a:prstGeom prst="rect">
+            <a:avLst/>
+          </a:prstGeom>
+          <a:noFill/>
+        </p:spPr>
+        <p:txBody>
+          <a:bodyPr wrap="square" rtlCol="0">
+            <a:spAutoFit/>
+          </a:bodyPr>
+          <a:lstStyle/>
+          <a:p>
+            <a:r>
+              <a:rPr lang="en-US" sz="1400" b="1" dirty="0"/>
+              <a:t>Sample Code:</a:t>
+            </a:r>
+          </a:p>
+          <a:p>
+            <a:r>
+              <a:rPr lang="en-US" sz="1400" dirty="0"/>
+              <a:t>https://github.com/ChrisKibble/MMS2023</a:t>
+            </a:r>
+          </a:p>
+        </p:txBody>
+      </p:sp>
     </p:spTree>
     <p:extLst>
       <p:ext uri="{BB962C8B-B14F-4D97-AF65-F5344CB8AC3E}">
@@ -17836,4 +18436,299 @@
     </a:ext>
   </a:extLst>
 </a:theme>
+</file>
+
+<file path=ppt/theme/theme2.xml><?xml version="1.0" encoding="utf-8"?>
+<a:theme xmlns:a="http://schemas.openxmlformats.org/drawingml/2006/main" name="Office Theme">
+  <a:themeElements>
+    <a:clrScheme name="Office">
+      <a:dk1>
+        <a:sysClr val="windowText" lastClr="000000"/>
+      </a:dk1>
+      <a:lt1>
+        <a:sysClr val="window" lastClr="FFFFFF"/>
+      </a:lt1>
+      <a:dk2>
+        <a:srgbClr val="44546A"/>
+      </a:dk2>
+      <a:lt2>
+        <a:srgbClr val="E7E6E6"/>
+      </a:lt2>
+      <a:accent1>
+        <a:srgbClr val="4472C4"/>
+      </a:accent1>
+      <a:accent2>
+        <a:srgbClr val="ED7D31"/>
+      </a:accent2>
+      <a:accent3>
+        <a:srgbClr val="A5A5A5"/>
+      </a:accent3>
+      <a:accent4>
+        <a:srgbClr val="FFC000"/>
+      </a:accent4>
+      <a:accent5>
+        <a:srgbClr val="5B9BD5"/>
+      </a:accent5>
+      <a:accent6>
+        <a:srgbClr val="70AD47"/>
+      </a:accent6>
+      <a:hlink>
+        <a:srgbClr val="0563C1"/>
+      </a:hlink>
+      <a:folHlink>
+        <a:srgbClr val="954F72"/>
+      </a:folHlink>
+    </a:clrScheme>
+    <a:fontScheme name="Office">
+      <a:majorFont>
+        <a:latin typeface="Calibri Light" panose="020F0302020204030204"/>
+        <a:ea typeface=""/>
+        <a:cs typeface=""/>
+        <a:font script="Jpan" typeface="游ゴシック Light"/>
+        <a:font script="Hang" typeface="맑은 고딕"/>
+        <a:font script="Hans" typeface="等线 Light"/>
+        <a:font script="Hant" typeface="新細明體"/>
+        <a:font script="Arab" typeface="Times New Roman"/>
+        <a:font script="Hebr" typeface="Times New Roman"/>
+        <a:font script="Thai" typeface="Angsana New"/>
+        <a:font script="Ethi" typeface="Nyala"/>
+        <a:font script="Beng" typeface="Vrinda"/>
+        <a:font script="Gujr" typeface="Shruti"/>
+        <a:font script="Khmr" typeface="MoolBoran"/>
+        <a:font script="Knda" typeface="Tunga"/>
+        <a:font script="Guru" typeface="Raavi"/>
+        <a:font script="Cans" typeface="Euphemia"/>
+        <a:font script="Cher" typeface="Plantagenet Cherokee"/>
+        <a:font script="Yiii" typeface="Microsoft Yi Baiti"/>
+        <a:font script="Tibt" typeface="Microsoft Himalaya"/>
+        <a:font script="Thaa" typeface="MV Boli"/>
+        <a:font script="Deva" typeface="Mangal"/>
+        <a:font script="Telu" typeface="Gautami"/>
+        <a:font script="Taml" typeface="Latha"/>
+        <a:font script="Syrc" typeface="Estrangelo Edessa"/>
+        <a:font script="Orya" typeface="Kalinga"/>
+        <a:font script="Mlym" typeface="Kartika"/>
+        <a:font script="Laoo" typeface="DokChampa"/>
+        <a:font script="Sinh" typeface="Iskoola Pota"/>
+        <a:font script="Mong" typeface="Mongolian Baiti"/>
+        <a:font script="Viet" typeface="Times New Roman"/>
+        <a:font script="Uigh" typeface="Microsoft Uighur"/>
+        <a:font script="Geor" typeface="Sylfaen"/>
+        <a:font script="Armn" typeface="Arial"/>
+        <a:font script="Bugi" typeface="Leelawadee UI"/>
+        <a:font script="Bopo" typeface="Microsoft JhengHei"/>
+        <a:font script="Java" typeface="Javanese Text"/>
+        <a:font script="Lisu" typeface="Segoe UI"/>
+        <a:font script="Mymr" typeface="Myanmar Text"/>
+        <a:font script="Nkoo" typeface="Ebrima"/>
+        <a:font script="Olck" typeface="Nirmala UI"/>
+        <a:font script="Osma" typeface="Ebrima"/>
+        <a:font script="Phag" typeface="Phagspa"/>
+        <a:font script="Syrn" typeface="Estrangelo Edessa"/>
+        <a:font script="Syrj" typeface="Estrangelo Edessa"/>
+        <a:font script="Syre" typeface="Estrangelo Edessa"/>
+        <a:font script="Sora" typeface="Nirmala UI"/>
+        <a:font script="Tale" typeface="Microsoft Tai Le"/>
+        <a:font script="Talu" typeface="Microsoft New Tai Lue"/>
+        <a:font script="Tfng" typeface="Ebrima"/>
+      </a:majorFont>
+      <a:minorFont>
+        <a:latin typeface="Calibri" panose="020F0502020204030204"/>
+        <a:ea typeface=""/>
+        <a:cs typeface=""/>
+        <a:font script="Jpan" typeface="游ゴシック"/>
+        <a:font script="Hang" typeface="맑은 고딕"/>
+        <a:font script="Hans" typeface="等线"/>
+        <a:font script="Hant" typeface="新細明體"/>
+        <a:font script="Arab" typeface="Arial"/>
+        <a:font script="Hebr" typeface="Arial"/>
+        <a:font script="Thai" typeface="Cordia New"/>
+        <a:font script="Ethi" typeface="Nyala"/>
+        <a:font script="Beng" typeface="Vrinda"/>
+        <a:font script="Gujr" typeface="Shruti"/>
+        <a:font script="Khmr" typeface="DaunPenh"/>
+        <a:font script="Knda" typeface="Tunga"/>
+        <a:font script="Guru" typeface="Raavi"/>
+        <a:font script="Cans" typeface="Euphemia"/>
+        <a:font script="Cher" typeface="Plantagenet Cherokee"/>
+        <a:font script="Yiii" typeface="Microsoft Yi Baiti"/>
+        <a:font script="Tibt" typeface="Microsoft Himalaya"/>
+        <a:font script="Thaa" typeface="MV Boli"/>
+        <a:font script="Deva" typeface="Mangal"/>
+        <a:font script="Telu" typeface="Gautami"/>
+        <a:font script="Taml" typeface="Latha"/>
+        <a:font script="Syrc" typeface="Estrangelo Edessa"/>
+        <a:font script="Orya" typeface="Kalinga"/>
+        <a:font script="Mlym" typeface="Kartika"/>
+        <a:font script="Laoo" typeface="DokChampa"/>
+        <a:font script="Sinh" typeface="Iskoola Pota"/>
+        <a:font script="Mong" typeface="Mongolian Baiti"/>
+        <a:font script="Viet" typeface="Arial"/>
+        <a:font script="Uigh" typeface="Microsoft Uighur"/>
+        <a:font script="Geor" typeface="Sylfaen"/>
+        <a:font script="Armn" typeface="Arial"/>
+        <a:font script="Bugi" typeface="Leelawadee UI"/>
+        <a:font script="Bopo" typeface="Microsoft JhengHei"/>
+        <a:font script="Java" typeface="Javanese Text"/>
+        <a:font script="Lisu" typeface="Segoe UI"/>
+        <a:font script="Mymr" typeface="Myanmar Text"/>
+        <a:font script="Nkoo" typeface="Ebrima"/>
+        <a:font script="Olck" typeface="Nirmala UI"/>
+        <a:font script="Osma" typeface="Ebrima"/>
+        <a:font script="Phag" typeface="Phagspa"/>
+        <a:font script="Syrn" typeface="Estrangelo Edessa"/>
+        <a:font script="Syrj" typeface="Estrangelo Edessa"/>
+        <a:font script="Syre" typeface="Estrangelo Edessa"/>
+        <a:font script="Sora" typeface="Nirmala UI"/>
+        <a:font script="Tale" typeface="Microsoft Tai Le"/>
+        <a:font script="Talu" typeface="Microsoft New Tai Lue"/>
+        <a:font script="Tfng" typeface="Ebrima"/>
+      </a:minorFont>
+    </a:fontScheme>
+    <a:fmtScheme name="Office">
+      <a:fillStyleLst>
+        <a:solidFill>
+          <a:schemeClr val="phClr"/>
+        </a:solidFill>
+        <a:gradFill rotWithShape="1">
+          <a:gsLst>
+            <a:gs pos="0">
+              <a:schemeClr val="phClr">
+                <a:lumMod val="110000"/>
+                <a:satMod val="105000"/>
+                <a:tint val="67000"/>
+              </a:schemeClr>
+            </a:gs>
+            <a:gs pos="50000">
+              <a:schemeClr val="phClr">
+                <a:lumMod val="105000"/>
+                <a:satMod val="103000"/>
+                <a:tint val="73000"/>
+              </a:schemeClr>
+            </a:gs>
+            <a:gs pos="100000">
+              <a:schemeClr val="phClr">
+                <a:lumMod val="105000"/>
+                <a:satMod val="109000"/>
+                <a:tint val="81000"/>
+              </a:schemeClr>
+            </a:gs>
+          </a:gsLst>
+          <a:lin ang="5400000" scaled="0"/>
+        </a:gradFill>
+        <a:gradFill rotWithShape="1">
+          <a:gsLst>
+            <a:gs pos="0">
+              <a:schemeClr val="phClr">
+                <a:satMod val="103000"/>
+                <a:lumMod val="102000"/>
+                <a:tint val="94000"/>
+              </a:schemeClr>
+            </a:gs>
+            <a:gs pos="50000">
+              <a:schemeClr val="phClr">
+                <a:satMod val="110000"/>
+                <a:lumMod val="100000"/>
+                <a:shade val="100000"/>
+              </a:schemeClr>
+            </a:gs>
+            <a:gs pos="100000">
+              <a:schemeClr val="phClr">
+                <a:lumMod val="99000"/>
+                <a:satMod val="120000"/>
+                <a:shade val="78000"/>
+              </a:schemeClr>
+            </a:gs>
+          </a:gsLst>
+          <a:lin ang="5400000" scaled="0"/>
+        </a:gradFill>
+      </a:fillStyleLst>
+      <a:lnStyleLst>
+        <a:ln w="6350" cap="flat" cmpd="sng" algn="ctr">
+          <a:solidFill>
+            <a:schemeClr val="phClr"/>
+          </a:solidFill>
+          <a:prstDash val="solid"/>
+          <a:miter lim="800000"/>
+        </a:ln>
+        <a:ln w="12700" cap="flat" cmpd="sng" algn="ctr">
+          <a:solidFill>
+            <a:schemeClr val="phClr"/>
+          </a:solidFill>
+          <a:prstDash val="solid"/>
+          <a:miter lim="800000"/>
+        </a:ln>
+        <a:ln w="19050" cap="flat" cmpd="sng" algn="ctr">
+          <a:solidFill>
+            <a:schemeClr val="phClr"/>
+          </a:solidFill>
+          <a:prstDash val="solid"/>
+          <a:miter lim="800000"/>
+        </a:ln>
+      </a:lnStyleLst>
+      <a:effectStyleLst>
+        <a:effectStyle>
+          <a:effectLst/>
+        </a:effectStyle>
+        <a:effectStyle>
+          <a:effectLst/>
+        </a:effectStyle>
+        <a:effectStyle>
+          <a:effectLst>
+            <a:outerShdw blurRad="57150" dist="19050" dir="5400000" algn="ctr" rotWithShape="0">
+              <a:srgbClr val="000000">
+                <a:alpha val="63000"/>
+              </a:srgbClr>
+            </a:outerShdw>
+          </a:effectLst>
+        </a:effectStyle>
+      </a:effectStyleLst>
+      <a:bgFillStyleLst>
+        <a:solidFill>
+          <a:schemeClr val="phClr"/>
+        </a:solidFill>
+        <a:solidFill>
+          <a:schemeClr val="phClr">
+            <a:tint val="95000"/>
+            <a:satMod val="170000"/>
+          </a:schemeClr>
+        </a:solidFill>
+        <a:gradFill rotWithShape="1">
+          <a:gsLst>
+            <a:gs pos="0">
+              <a:schemeClr val="phClr">
+                <a:tint val="93000"/>
+                <a:satMod val="150000"/>
+                <a:shade val="98000"/>
+                <a:lumMod val="102000"/>
+              </a:schemeClr>
+            </a:gs>
+            <a:gs pos="50000">
+              <a:schemeClr val="phClr">
+                <a:tint val="98000"/>
+                <a:satMod val="130000"/>
+                <a:shade val="90000"/>
+                <a:lumMod val="103000"/>
+              </a:schemeClr>
+            </a:gs>
+            <a:gs pos="100000">
+              <a:schemeClr val="phClr">
+                <a:shade val="63000"/>
+                <a:satMod val="120000"/>
+              </a:schemeClr>
+            </a:gs>
+          </a:gsLst>
+          <a:lin ang="5400000" scaled="0"/>
+        </a:gradFill>
+      </a:bgFillStyleLst>
+    </a:fmtScheme>
+  </a:themeElements>
+  <a:objectDefaults/>
+  <a:extraClrSchemeLst/>
+  <a:extLst>
+    <a:ext uri="{05A4C25C-085E-4340-85A3-A5531E510DB2}">
+      <thm15:themeFamily xmlns:thm15="http://schemas.microsoft.com/office/thememl/2012/main" name="Office Theme" id="{62F939B6-93AF-4DB8-9C6B-D6C7DFDC589F}" vid="{4A3C46E8-61CC-4603-A589-7422A47A8E4A}"/>
+    </a:ext>
+  </a:extLst>
+</a:theme>
 </file>